--- a/14-amortized/lec.pptx
+++ b/14-amortized/lec.pptx
@@ -5,7 +5,7 @@
     <p:sldMasterId id="2147483648" r:id="rId1"/>
   </p:sldMasterIdLst>
   <p:notesMasterIdLst>
-    <p:notesMasterId r:id="rId30"/>
+    <p:notesMasterId r:id="rId35"/>
   </p:notesMasterIdLst>
   <p:sldIdLst>
     <p:sldId id="545" r:id="rId2"/>
@@ -23,19 +23,24 @@
     <p:sldId id="879" r:id="rId14"/>
     <p:sldId id="880" r:id="rId15"/>
     <p:sldId id="891" r:id="rId16"/>
-    <p:sldId id="892" r:id="rId17"/>
-    <p:sldId id="893" r:id="rId18"/>
-    <p:sldId id="894" r:id="rId19"/>
-    <p:sldId id="884" r:id="rId20"/>
-    <p:sldId id="895" r:id="rId21"/>
-    <p:sldId id="885" r:id="rId22"/>
-    <p:sldId id="896" r:id="rId23"/>
-    <p:sldId id="897" r:id="rId24"/>
-    <p:sldId id="898" r:id="rId25"/>
-    <p:sldId id="899" r:id="rId26"/>
-    <p:sldId id="750" r:id="rId27"/>
-    <p:sldId id="751" r:id="rId28"/>
-    <p:sldId id="546" r:id="rId29"/>
+    <p:sldId id="900" r:id="rId17"/>
+    <p:sldId id="901" r:id="rId18"/>
+    <p:sldId id="892" r:id="rId19"/>
+    <p:sldId id="902" r:id="rId20"/>
+    <p:sldId id="903" r:id="rId21"/>
+    <p:sldId id="893" r:id="rId22"/>
+    <p:sldId id="894" r:id="rId23"/>
+    <p:sldId id="904" r:id="rId24"/>
+    <p:sldId id="884" r:id="rId25"/>
+    <p:sldId id="895" r:id="rId26"/>
+    <p:sldId id="885" r:id="rId27"/>
+    <p:sldId id="896" r:id="rId28"/>
+    <p:sldId id="897" r:id="rId29"/>
+    <p:sldId id="898" r:id="rId30"/>
+    <p:sldId id="899" r:id="rId31"/>
+    <p:sldId id="750" r:id="rId32"/>
+    <p:sldId id="751" r:id="rId33"/>
+    <p:sldId id="546" r:id="rId34"/>
   </p:sldIdLst>
   <p:sldSz cx="9144000" cy="6858000" type="screen4x3"/>
   <p:notesSz cx="6858000" cy="9144000"/>
@@ -235,7 +240,7 @@
           <a:p>
             <a:fld id="{5367F125-181F-9A48-A24E-AAD89CB055B5}" type="datetimeFigureOut">
               <a:rPr lang="en-US" smtClean="0"/>
-              <a:t>10/21/19</a:t>
+              <a:t>10/22/19</a:t>
             </a:fld>
             <a:endParaRPr lang="en-US"/>
           </a:p>
@@ -819,8 +824,61 @@
             </a:pPr>
             <a:r>
               <a:rPr lang="en-US" dirty="0"/>
-              <a:t>We’re now fiscally solvent!</a:t>
-            </a:r>
+              <a:t>Spend $r for each binding.  That’s $32r.  Which takes us from positive to negative $16r.</a:t>
+            </a:r>
+          </a:p>
+          <a:p>
+            <a:pPr marL="0" marR="0" lvl="0" indent="0" algn="l" defTabSz="457200" rtl="0" eaLnBrk="1" fontAlgn="auto" latinLnBrk="0" hangingPunct="1">
+              <a:lnSpc>
+                <a:spcPct val="100000"/>
+              </a:lnSpc>
+              <a:spcBef>
+                <a:spcPts val="0"/>
+              </a:spcBef>
+              <a:spcAft>
+                <a:spcPts val="0"/>
+              </a:spcAft>
+              <a:buClrTx/>
+              <a:buSzTx/>
+              <a:buFontTx/>
+              <a:buNone/>
+              <a:tabLst/>
+              <a:defRPr/>
+            </a:pPr>
+            <a:endParaRPr lang="en-US" dirty="0"/>
+          </a:p>
+          <a:p>
+            <a:pPr marL="0" marR="0" lvl="0" indent="0" algn="l" defTabSz="457200" rtl="0" eaLnBrk="1" fontAlgn="auto" latinLnBrk="0" hangingPunct="1">
+              <a:lnSpc>
+                <a:spcPct val="100000"/>
+              </a:lnSpc>
+              <a:spcBef>
+                <a:spcPts val="0"/>
+              </a:spcBef>
+              <a:spcAft>
+                <a:spcPts val="0"/>
+              </a:spcAft>
+              <a:buClrTx/>
+              <a:buSzTx/>
+              <a:buFontTx/>
+              <a:buNone/>
+              <a:tabLst/>
+              <a:defRPr/>
+            </a:pPr>
+            <a:r>
+              <a:rPr lang="en-US" dirty="0"/>
+              <a:t>Image source: </a:t>
+            </a:r>
+            <a:r>
+              <a:rPr lang="en-US" dirty="0">
+                <a:hlinkClick r:id="rId3"/>
+              </a:rPr>
+              <a:t>https://www.kissclipart.com/no-money-clipart-money-payment-loan-kx3vwc/</a:t>
+            </a:r>
+            <a:endParaRPr lang="en-US" dirty="0"/>
+          </a:p>
+          <a:p>
+            <a:endParaRPr lang="en-US" dirty="0"/>
           </a:p>
         </p:txBody>
       </p:sp>
@@ -850,7 +908,7 @@
     </p:spTree>
     <p:extLst>
       <p:ext uri="{BB962C8B-B14F-4D97-AF65-F5344CB8AC3E}">
-        <p14:creationId xmlns:p14="http://schemas.microsoft.com/office/powerpoint/2010/main" val="861793630"/>
+        <p14:creationId xmlns:p14="http://schemas.microsoft.com/office/powerpoint/2010/main" val="2444295101"/>
       </p:ext>
     </p:extLst>
   </p:cSld>
@@ -904,23 +962,66 @@
           <a:bodyPr/>
           <a:lstStyle/>
           <a:p>
-            <a:endParaRPr lang="en-US" dirty="0">
-              <a:latin typeface="Cronos Pro" panose="020C0502030403020304" pitchFamily="34" charset="77"/>
-            </a:endParaRPr>
-          </a:p>
-          <a:p>
-            <a:r>
-              <a:rPr lang="en-US" dirty="0">
-                <a:latin typeface="Cronos Pro" panose="020C0502030403020304" pitchFamily="34" charset="77"/>
-              </a:rPr>
-              <a:t>Not throwing shade here:  I ate a lot of ramen as a grad student and extremely little sushi</a:t>
-            </a:r>
+            <a:pPr marL="0" marR="0" lvl="0" indent="0" algn="l" defTabSz="457200" rtl="0" eaLnBrk="1" fontAlgn="auto" latinLnBrk="0" hangingPunct="1">
+              <a:lnSpc>
+                <a:spcPct val="100000"/>
+              </a:lnSpc>
+              <a:spcBef>
+                <a:spcPts val="0"/>
+              </a:spcBef>
+              <a:spcAft>
+                <a:spcPts val="0"/>
+              </a:spcAft>
+              <a:buClrTx/>
+              <a:buSzTx/>
+              <a:buFontTx/>
+              <a:buNone/>
+              <a:tabLst/>
+              <a:defRPr/>
+            </a:pPr>
+            <a:r>
+              <a:rPr lang="en-US" dirty="0"/>
+              <a:t>Spend $r for each binding.  That’s $32r.  Which takes us from positive to negative $16r.</a:t>
+            </a:r>
+          </a:p>
+          <a:p>
+            <a:pPr marL="0" marR="0" lvl="0" indent="0" algn="l" defTabSz="457200" rtl="0" eaLnBrk="1" fontAlgn="auto" latinLnBrk="0" hangingPunct="1">
+              <a:lnSpc>
+                <a:spcPct val="100000"/>
+              </a:lnSpc>
+              <a:spcBef>
+                <a:spcPts val="0"/>
+              </a:spcBef>
+              <a:spcAft>
+                <a:spcPts val="0"/>
+              </a:spcAft>
+              <a:buClrTx/>
+              <a:buSzTx/>
+              <a:buFontTx/>
+              <a:buNone/>
+              <a:tabLst/>
+              <a:defRPr/>
+            </a:pPr>
             <a:endParaRPr lang="en-US" dirty="0"/>
           </a:p>
           <a:p>
-            <a:endParaRPr lang="en-US" dirty="0"/>
-          </a:p>
-          <a:p>
+            <a:pPr marL="0" marR="0" lvl="0" indent="0" algn="l" defTabSz="457200" rtl="0" eaLnBrk="1" fontAlgn="auto" latinLnBrk="0" hangingPunct="1">
+              <a:lnSpc>
+                <a:spcPct val="100000"/>
+              </a:lnSpc>
+              <a:spcBef>
+                <a:spcPts val="0"/>
+              </a:spcBef>
+              <a:spcAft>
+                <a:spcPts val="0"/>
+              </a:spcAft>
+              <a:buClrTx/>
+              <a:buSzTx/>
+              <a:buFontTx/>
+              <a:buNone/>
+              <a:tabLst/>
+              <a:defRPr/>
+            </a:pPr>
             <a:r>
               <a:rPr lang="en-US" dirty="0"/>
               <a:t>Image source: </a:t>
@@ -929,8 +1030,11 @@
               <a:rPr lang="en-US" dirty="0">
                 <a:hlinkClick r:id="rId3"/>
               </a:rPr>
-              <a:t>https://commons.wikimedia.org/wiki/File:Sushi-boat.jpg</a:t>
-            </a:r>
+              <a:t>https://www.kissclipart.com/no-money-clipart-money-payment-loan-kx3vwc/</a:t>
+            </a:r>
+            <a:endParaRPr lang="en-US" dirty="0"/>
+          </a:p>
+          <a:p>
             <a:endParaRPr lang="en-US" dirty="0"/>
           </a:p>
         </p:txBody>
@@ -961,7 +1065,7 @@
     </p:spTree>
     <p:extLst>
       <p:ext uri="{BB962C8B-B14F-4D97-AF65-F5344CB8AC3E}">
-        <p14:creationId xmlns:p14="http://schemas.microsoft.com/office/powerpoint/2010/main" val="1605532569"/>
+        <p14:creationId xmlns:p14="http://schemas.microsoft.com/office/powerpoint/2010/main" val="3599314158"/>
       </p:ext>
     </p:extLst>
   </p:cSld>
@@ -1015,19 +1119,27 @@
           <a:bodyPr/>
           <a:lstStyle/>
           <a:p>
+            <a:pPr marL="0" marR="0" lvl="0" indent="0" algn="l" defTabSz="457200" rtl="0" eaLnBrk="1" fontAlgn="auto" latinLnBrk="0" hangingPunct="1">
+              <a:lnSpc>
+                <a:spcPct val="100000"/>
+              </a:lnSpc>
+              <a:spcBef>
+                <a:spcPts val="0"/>
+              </a:spcBef>
+              <a:spcAft>
+                <a:spcPts val="0"/>
+              </a:spcAft>
+              <a:buClrTx/>
+              <a:buSzTx/>
+              <a:buFontTx/>
+              <a:buNone/>
+              <a:tabLst/>
+              <a:defRPr/>
+            </a:pPr>
             <a:r>
               <a:rPr lang="en-US" dirty="0"/>
-              <a:t>Whenever front gets emptied by dequeues, we reverse back and make it the front</a:t>
-            </a:r>
-          </a:p>
-          <a:p>
-            <a:r>
-              <a:rPr lang="en-US" dirty="0"/>
-              <a:t>Enqueues happen on back</a:t>
-            </a:r>
-          </a:p>
-          <a:p>
-            <a:endParaRPr lang="en-US" dirty="0"/>
+              <a:t>We’re now fiscally solvent!</a:t>
+            </a:r>
           </a:p>
         </p:txBody>
       </p:sp>
@@ -1048,7 +1160,7 @@
           <a:p>
             <a:fld id="{B7975FD5-AB21-4C45-BFE8-1D3F02B463E2}" type="slidenum">
               <a:rPr lang="en-US" smtClean="0"/>
-              <a:t>20</a:t>
+              <a:t>18</a:t>
             </a:fld>
             <a:endParaRPr lang="en-US"/>
           </a:p>
@@ -1057,7 +1169,7 @@
     </p:spTree>
     <p:extLst>
       <p:ext uri="{BB962C8B-B14F-4D97-AF65-F5344CB8AC3E}">
-        <p14:creationId xmlns:p14="http://schemas.microsoft.com/office/powerpoint/2010/main" val="4077602043"/>
+        <p14:creationId xmlns:p14="http://schemas.microsoft.com/office/powerpoint/2010/main" val="861793630"/>
       </p:ext>
     </p:extLst>
   </p:cSld>
@@ -1111,44 +1223,27 @@
           <a:bodyPr/>
           <a:lstStyle/>
           <a:p>
+            <a:pPr marL="0" marR="0" lvl="0" indent="0" algn="l" defTabSz="457200" rtl="0" eaLnBrk="1" fontAlgn="auto" latinLnBrk="0" hangingPunct="1">
+              <a:lnSpc>
+                <a:spcPct val="100000"/>
+              </a:lnSpc>
+              <a:spcBef>
+                <a:spcPts val="0"/>
+              </a:spcBef>
+              <a:spcAft>
+                <a:spcPts val="0"/>
+              </a:spcAft>
+              <a:buClrTx/>
+              <a:buSzTx/>
+              <a:buFontTx/>
+              <a:buNone/>
+              <a:tabLst/>
+              <a:defRPr/>
+            </a:pPr>
             <a:r>
               <a:rPr lang="en-US" dirty="0"/>
-              <a:t>Imagine hash table has bank account</a:t>
-            </a:r>
-          </a:p>
-          <a:p>
-            <a:r>
-              <a:rPr lang="en-US" dirty="0"/>
-              <a:t>On each insert, pay r credits into account</a:t>
-            </a:r>
-          </a:p>
-          <a:p>
-            <a:r>
-              <a:rPr lang="en-US" dirty="0"/>
-              <a:t>At time of resize, have n elements, hence r*n credit</a:t>
-            </a:r>
-          </a:p>
-          <a:p>
-            <a:r>
-              <a:rPr lang="en-US" dirty="0"/>
-              <a:t>Empty the bank account to pay for the resize</a:t>
-            </a:r>
-          </a:p>
-          <a:p>
-            <a:endParaRPr lang="en-US" dirty="0"/>
-          </a:p>
-          <a:p>
-            <a:r>
-              <a:rPr lang="en-US" dirty="0"/>
-              <a:t>Image source: </a:t>
-            </a:r>
-            <a:r>
-              <a:rPr lang="en-US" dirty="0">
-                <a:hlinkClick r:id="rId3"/>
-              </a:rPr>
-              <a:t>https://www.flickr.com/photos/pictures-of-money/17121704418</a:t>
-            </a:r>
-            <a:endParaRPr lang="en-US" dirty="0"/>
+              <a:t>We’re now fiscally solvent!</a:t>
+            </a:r>
           </a:p>
         </p:txBody>
       </p:sp>
@@ -1169,7 +1264,7 @@
           <a:p>
             <a:fld id="{B7975FD5-AB21-4C45-BFE8-1D3F02B463E2}" type="slidenum">
               <a:rPr lang="en-US" smtClean="0"/>
-              <a:t>23</a:t>
+              <a:t>19</a:t>
             </a:fld>
             <a:endParaRPr lang="en-US"/>
           </a:p>
@@ -1178,7 +1273,7 @@
     </p:spTree>
     <p:extLst>
       <p:ext uri="{BB962C8B-B14F-4D97-AF65-F5344CB8AC3E}">
-        <p14:creationId xmlns:p14="http://schemas.microsoft.com/office/powerpoint/2010/main" val="905126328"/>
+        <p14:creationId xmlns:p14="http://schemas.microsoft.com/office/powerpoint/2010/main" val="3089774588"/>
       </p:ext>
     </p:extLst>
   </p:cSld>
@@ -1273,7 +1368,7 @@
           <a:p>
             <a:fld id="{B7975FD5-AB21-4C45-BFE8-1D3F02B463E2}" type="slidenum">
               <a:rPr lang="en-US" smtClean="0"/>
-              <a:t>24</a:t>
+              <a:t>20</a:t>
             </a:fld>
             <a:endParaRPr lang="en-US"/>
           </a:p>
@@ -1282,7 +1377,7 @@
     </p:spTree>
     <p:extLst>
       <p:ext uri="{BB962C8B-B14F-4D97-AF65-F5344CB8AC3E}">
-        <p14:creationId xmlns:p14="http://schemas.microsoft.com/office/powerpoint/2010/main" val="3847578534"/>
+        <p14:creationId xmlns:p14="http://schemas.microsoft.com/office/powerpoint/2010/main" val="1782940140"/>
       </p:ext>
     </p:extLst>
   </p:cSld>
@@ -1336,13 +1431,32 @@
           <a:bodyPr/>
           <a:lstStyle/>
           <a:p>
+            <a:endParaRPr lang="en-US" dirty="0">
+              <a:latin typeface="Cronos Pro" panose="020C0502030403020304" pitchFamily="34" charset="77"/>
+            </a:endParaRPr>
+          </a:p>
+          <a:p>
+            <a:r>
+              <a:rPr lang="en-US" dirty="0">
+                <a:latin typeface="Cronos Pro" panose="020C0502030403020304" pitchFamily="34" charset="77"/>
+              </a:rPr>
+              <a:t>Not throwing shade here:  I ate a lot of ramen as a grad student and extremely little sushi</a:t>
+            </a:r>
+            <a:endParaRPr lang="en-US" dirty="0"/>
+          </a:p>
+          <a:p>
+            <a:endParaRPr lang="en-US" dirty="0"/>
+          </a:p>
+          <a:p>
             <a:r>
               <a:rPr lang="en-US" dirty="0"/>
-              <a:t>I asked John why Bob left.</a:t>
-            </a:r>
-            <a:r>
-              <a:rPr lang="en-US" baseline="0" dirty="0"/>
-              <a:t>  John says it was the Ithaca winter---Bob was a Californian and went back there.</a:t>
+              <a:t>Image source: </a:t>
+            </a:r>
+            <a:r>
+              <a:rPr lang="en-US" dirty="0">
+                <a:hlinkClick r:id="rId3"/>
+              </a:rPr>
+              <a:t>https://commons.wikimedia.org/wiki/File:Sushi-boat.jpg</a:t>
             </a:r>
             <a:endParaRPr lang="en-US" dirty="0"/>
           </a:p>
@@ -1355,7 +1469,7 @@
             <a:spLocks noGrp="1"/>
           </p:cNvSpPr>
           <p:nvPr>
-            <p:ph type="sldNum" sz="quarter" idx="10"/>
+            <p:ph type="sldNum" sz="quarter" idx="5"/>
           </p:nvPr>
         </p:nvSpPr>
         <p:spPr/>
@@ -1365,7 +1479,7 @@
           <a:p>
             <a:fld id="{B7975FD5-AB21-4C45-BFE8-1D3F02B463E2}" type="slidenum">
               <a:rPr lang="en-US" smtClean="0"/>
-              <a:t>27</a:t>
+              <a:t>21</a:t>
             </a:fld>
             <a:endParaRPr lang="en-US"/>
           </a:p>
@@ -1374,7 +1488,7 @@
     </p:spTree>
     <p:extLst>
       <p:ext uri="{BB962C8B-B14F-4D97-AF65-F5344CB8AC3E}">
-        <p14:creationId xmlns:p14="http://schemas.microsoft.com/office/powerpoint/2010/main" val="1509418287"/>
+        <p14:creationId xmlns:p14="http://schemas.microsoft.com/office/powerpoint/2010/main" val="1605532569"/>
       </p:ext>
     </p:extLst>
   </p:cSld>
@@ -1449,6 +1563,223 @@
           <a:p>
             <a:fld id="{B7975FD5-AB21-4C45-BFE8-1D3F02B463E2}" type="slidenum">
               <a:rPr lang="en-US" smtClean="0"/>
+              <a:t>23</a:t>
+            </a:fld>
+            <a:endParaRPr lang="en-US"/>
+          </a:p>
+        </p:txBody>
+      </p:sp>
+    </p:spTree>
+    <p:extLst>
+      <p:ext uri="{BB962C8B-B14F-4D97-AF65-F5344CB8AC3E}">
+        <p14:creationId xmlns:p14="http://schemas.microsoft.com/office/powerpoint/2010/main" val="2330188942"/>
+      </p:ext>
+    </p:extLst>
+  </p:cSld>
+  <p:clrMapOvr>
+    <a:masterClrMapping/>
+  </p:clrMapOvr>
+</p:notes>
+</file>
+
+<file path=ppt/notesSlides/notesSlide18.xml><?xml version="1.0" encoding="utf-8"?>
+<p:notes xmlns:a="http://schemas.openxmlformats.org/drawingml/2006/main" xmlns:r="http://schemas.openxmlformats.org/officeDocument/2006/relationships" xmlns:p="http://schemas.openxmlformats.org/presentationml/2006/main">
+  <p:cSld>
+    <p:spTree>
+      <p:nvGrpSpPr>
+        <p:cNvPr id="1" name=""/>
+        <p:cNvGrpSpPr/>
+        <p:nvPr/>
+      </p:nvGrpSpPr>
+      <p:grpSpPr>
+        <a:xfrm>
+          <a:off x="0" y="0"/>
+          <a:ext cx="0" cy="0"/>
+          <a:chOff x="0" y="0"/>
+          <a:chExt cx="0" cy="0"/>
+        </a:xfrm>
+      </p:grpSpPr>
+      <p:sp>
+        <p:nvSpPr>
+          <p:cNvPr id="2" name="Slide Image Placeholder 1"/>
+          <p:cNvSpPr>
+            <a:spLocks noGrp="1" noRot="1" noChangeAspect="1"/>
+          </p:cNvSpPr>
+          <p:nvPr>
+            <p:ph type="sldImg"/>
+          </p:nvPr>
+        </p:nvSpPr>
+        <p:spPr/>
+      </p:sp>
+      <p:sp>
+        <p:nvSpPr>
+          <p:cNvPr id="3" name="Notes Placeholder 2"/>
+          <p:cNvSpPr>
+            <a:spLocks noGrp="1"/>
+          </p:cNvSpPr>
+          <p:nvPr>
+            <p:ph type="body" idx="1"/>
+          </p:nvPr>
+        </p:nvSpPr>
+        <p:spPr/>
+        <p:txBody>
+          <a:bodyPr/>
+          <a:lstStyle/>
+          <a:p>
+            <a:r>
+              <a:rPr lang="en-US" dirty="0"/>
+              <a:t>Whenever front gets emptied by dequeues, we reverse back and make it the front</a:t>
+            </a:r>
+          </a:p>
+          <a:p>
+            <a:r>
+              <a:rPr lang="en-US" dirty="0"/>
+              <a:t>Enqueues happen on back</a:t>
+            </a:r>
+          </a:p>
+          <a:p>
+            <a:endParaRPr lang="en-US" dirty="0"/>
+          </a:p>
+        </p:txBody>
+      </p:sp>
+      <p:sp>
+        <p:nvSpPr>
+          <p:cNvPr id="4" name="Slide Number Placeholder 3"/>
+          <p:cNvSpPr>
+            <a:spLocks noGrp="1"/>
+          </p:cNvSpPr>
+          <p:nvPr>
+            <p:ph type="sldNum" sz="quarter" idx="5"/>
+          </p:nvPr>
+        </p:nvSpPr>
+        <p:spPr/>
+        <p:txBody>
+          <a:bodyPr/>
+          <a:lstStyle/>
+          <a:p>
+            <a:fld id="{B7975FD5-AB21-4C45-BFE8-1D3F02B463E2}" type="slidenum">
+              <a:rPr lang="en-US" smtClean="0"/>
+              <a:t>25</a:t>
+            </a:fld>
+            <a:endParaRPr lang="en-US"/>
+          </a:p>
+        </p:txBody>
+      </p:sp>
+    </p:spTree>
+    <p:extLst>
+      <p:ext uri="{BB962C8B-B14F-4D97-AF65-F5344CB8AC3E}">
+        <p14:creationId xmlns:p14="http://schemas.microsoft.com/office/powerpoint/2010/main" val="4077602043"/>
+      </p:ext>
+    </p:extLst>
+  </p:cSld>
+  <p:clrMapOvr>
+    <a:masterClrMapping/>
+  </p:clrMapOvr>
+</p:notes>
+</file>
+
+<file path=ppt/notesSlides/notesSlide19.xml><?xml version="1.0" encoding="utf-8"?>
+<p:notes xmlns:a="http://schemas.openxmlformats.org/drawingml/2006/main" xmlns:r="http://schemas.openxmlformats.org/officeDocument/2006/relationships" xmlns:p="http://schemas.openxmlformats.org/presentationml/2006/main">
+  <p:cSld>
+    <p:spTree>
+      <p:nvGrpSpPr>
+        <p:cNvPr id="1" name=""/>
+        <p:cNvGrpSpPr/>
+        <p:nvPr/>
+      </p:nvGrpSpPr>
+      <p:grpSpPr>
+        <a:xfrm>
+          <a:off x="0" y="0"/>
+          <a:ext cx="0" cy="0"/>
+          <a:chOff x="0" y="0"/>
+          <a:chExt cx="0" cy="0"/>
+        </a:xfrm>
+      </p:grpSpPr>
+      <p:sp>
+        <p:nvSpPr>
+          <p:cNvPr id="2" name="Slide Image Placeholder 1"/>
+          <p:cNvSpPr>
+            <a:spLocks noGrp="1" noRot="1" noChangeAspect="1"/>
+          </p:cNvSpPr>
+          <p:nvPr>
+            <p:ph type="sldImg"/>
+          </p:nvPr>
+        </p:nvSpPr>
+        <p:spPr/>
+      </p:sp>
+      <p:sp>
+        <p:nvSpPr>
+          <p:cNvPr id="3" name="Notes Placeholder 2"/>
+          <p:cNvSpPr>
+            <a:spLocks noGrp="1"/>
+          </p:cNvSpPr>
+          <p:nvPr>
+            <p:ph type="body" idx="1"/>
+          </p:nvPr>
+        </p:nvSpPr>
+        <p:spPr/>
+        <p:txBody>
+          <a:bodyPr/>
+          <a:lstStyle/>
+          <a:p>
+            <a:r>
+              <a:rPr lang="en-US" dirty="0"/>
+              <a:t>Imagine hash table has bank account</a:t>
+            </a:r>
+          </a:p>
+          <a:p>
+            <a:r>
+              <a:rPr lang="en-US" dirty="0"/>
+              <a:t>On each insert, pay r credits into account</a:t>
+            </a:r>
+          </a:p>
+          <a:p>
+            <a:r>
+              <a:rPr lang="en-US" dirty="0"/>
+              <a:t>At time of resize, have n elements, hence r*n credit</a:t>
+            </a:r>
+          </a:p>
+          <a:p>
+            <a:r>
+              <a:rPr lang="en-US" dirty="0"/>
+              <a:t>Empty the bank account to pay for the resize</a:t>
+            </a:r>
+          </a:p>
+          <a:p>
+            <a:endParaRPr lang="en-US" dirty="0"/>
+          </a:p>
+          <a:p>
+            <a:r>
+              <a:rPr lang="en-US" dirty="0"/>
+              <a:t>Image source: </a:t>
+            </a:r>
+            <a:r>
+              <a:rPr lang="en-US" dirty="0">
+                <a:hlinkClick r:id="rId3"/>
+              </a:rPr>
+              <a:t>https://www.flickr.com/photos/pictures-of-money/17121704418</a:t>
+            </a:r>
+            <a:endParaRPr lang="en-US" dirty="0"/>
+          </a:p>
+        </p:txBody>
+      </p:sp>
+      <p:sp>
+        <p:nvSpPr>
+          <p:cNvPr id="4" name="Slide Number Placeholder 3"/>
+          <p:cNvSpPr>
+            <a:spLocks noGrp="1"/>
+          </p:cNvSpPr>
+          <p:nvPr>
+            <p:ph type="sldNum" sz="quarter" idx="5"/>
+          </p:nvPr>
+        </p:nvSpPr>
+        <p:spPr/>
+        <p:txBody>
+          <a:bodyPr/>
+          <a:lstStyle/>
+          <a:p>
+            <a:fld id="{B7975FD5-AB21-4C45-BFE8-1D3F02B463E2}" type="slidenum">
+              <a:rPr lang="en-US" smtClean="0"/>
               <a:t>28</a:t>
             </a:fld>
             <a:endParaRPr lang="en-US"/>
@@ -1458,7 +1789,7 @@
     </p:spTree>
     <p:extLst>
       <p:ext uri="{BB962C8B-B14F-4D97-AF65-F5344CB8AC3E}">
-        <p14:creationId xmlns:p14="http://schemas.microsoft.com/office/powerpoint/2010/main" val="2847625345"/>
+        <p14:creationId xmlns:p14="http://schemas.microsoft.com/office/powerpoint/2010/main" val="905126328"/>
       </p:ext>
     </p:extLst>
   </p:cSld>
@@ -1543,6 +1874,286 @@
     <p:extLst>
       <p:ext uri="{BB962C8B-B14F-4D97-AF65-F5344CB8AC3E}">
         <p14:creationId xmlns:p14="http://schemas.microsoft.com/office/powerpoint/2010/main" val="3473252060"/>
+      </p:ext>
+    </p:extLst>
+  </p:cSld>
+  <p:clrMapOvr>
+    <a:masterClrMapping/>
+  </p:clrMapOvr>
+</p:notes>
+</file>
+
+<file path=ppt/notesSlides/notesSlide20.xml><?xml version="1.0" encoding="utf-8"?>
+<p:notes xmlns:a="http://schemas.openxmlformats.org/drawingml/2006/main" xmlns:r="http://schemas.openxmlformats.org/officeDocument/2006/relationships" xmlns:p="http://schemas.openxmlformats.org/presentationml/2006/main">
+  <p:cSld>
+    <p:spTree>
+      <p:nvGrpSpPr>
+        <p:cNvPr id="1" name=""/>
+        <p:cNvGrpSpPr/>
+        <p:nvPr/>
+      </p:nvGrpSpPr>
+      <p:grpSpPr>
+        <a:xfrm>
+          <a:off x="0" y="0"/>
+          <a:ext cx="0" cy="0"/>
+          <a:chOff x="0" y="0"/>
+          <a:chExt cx="0" cy="0"/>
+        </a:xfrm>
+      </p:grpSpPr>
+      <p:sp>
+        <p:nvSpPr>
+          <p:cNvPr id="2" name="Slide Image Placeholder 1"/>
+          <p:cNvSpPr>
+            <a:spLocks noGrp="1" noRot="1" noChangeAspect="1"/>
+          </p:cNvSpPr>
+          <p:nvPr>
+            <p:ph type="sldImg"/>
+          </p:nvPr>
+        </p:nvSpPr>
+        <p:spPr/>
+      </p:sp>
+      <p:sp>
+        <p:nvSpPr>
+          <p:cNvPr id="3" name="Notes Placeholder 2"/>
+          <p:cNvSpPr>
+            <a:spLocks noGrp="1"/>
+          </p:cNvSpPr>
+          <p:nvPr>
+            <p:ph type="body" idx="1"/>
+          </p:nvPr>
+        </p:nvSpPr>
+        <p:spPr/>
+        <p:txBody>
+          <a:bodyPr/>
+          <a:lstStyle/>
+          <a:p>
+            <a:pPr marL="0" marR="0" lvl="0" indent="0" algn="l" defTabSz="457200" rtl="0" eaLnBrk="1" fontAlgn="auto" latinLnBrk="0" hangingPunct="1">
+              <a:lnSpc>
+                <a:spcPct val="100000"/>
+              </a:lnSpc>
+              <a:spcBef>
+                <a:spcPts val="0"/>
+              </a:spcBef>
+              <a:spcAft>
+                <a:spcPts val="0"/>
+              </a:spcAft>
+              <a:buClrTx/>
+              <a:buSzTx/>
+              <a:buFontTx/>
+              <a:buNone/>
+              <a:tabLst/>
+              <a:defRPr/>
+            </a:pPr>
+            <a:r>
+              <a:rPr lang="en-US" dirty="0"/>
+              <a:t>We’re now fiscally solvent!</a:t>
+            </a:r>
+          </a:p>
+        </p:txBody>
+      </p:sp>
+      <p:sp>
+        <p:nvSpPr>
+          <p:cNvPr id="4" name="Slide Number Placeholder 3"/>
+          <p:cNvSpPr>
+            <a:spLocks noGrp="1"/>
+          </p:cNvSpPr>
+          <p:nvPr>
+            <p:ph type="sldNum" sz="quarter" idx="5"/>
+          </p:nvPr>
+        </p:nvSpPr>
+        <p:spPr/>
+        <p:txBody>
+          <a:bodyPr/>
+          <a:lstStyle/>
+          <a:p>
+            <a:fld id="{B7975FD5-AB21-4C45-BFE8-1D3F02B463E2}" type="slidenum">
+              <a:rPr lang="en-US" smtClean="0"/>
+              <a:t>29</a:t>
+            </a:fld>
+            <a:endParaRPr lang="en-US"/>
+          </a:p>
+        </p:txBody>
+      </p:sp>
+    </p:spTree>
+    <p:extLst>
+      <p:ext uri="{BB962C8B-B14F-4D97-AF65-F5344CB8AC3E}">
+        <p14:creationId xmlns:p14="http://schemas.microsoft.com/office/powerpoint/2010/main" val="3847578534"/>
+      </p:ext>
+    </p:extLst>
+  </p:cSld>
+  <p:clrMapOvr>
+    <a:masterClrMapping/>
+  </p:clrMapOvr>
+</p:notes>
+</file>
+
+<file path=ppt/notesSlides/notesSlide21.xml><?xml version="1.0" encoding="utf-8"?>
+<p:notes xmlns:a="http://schemas.openxmlformats.org/drawingml/2006/main" xmlns:r="http://schemas.openxmlformats.org/officeDocument/2006/relationships" xmlns:p="http://schemas.openxmlformats.org/presentationml/2006/main">
+  <p:cSld>
+    <p:spTree>
+      <p:nvGrpSpPr>
+        <p:cNvPr id="1" name=""/>
+        <p:cNvGrpSpPr/>
+        <p:nvPr/>
+      </p:nvGrpSpPr>
+      <p:grpSpPr>
+        <a:xfrm>
+          <a:off x="0" y="0"/>
+          <a:ext cx="0" cy="0"/>
+          <a:chOff x="0" y="0"/>
+          <a:chExt cx="0" cy="0"/>
+        </a:xfrm>
+      </p:grpSpPr>
+      <p:sp>
+        <p:nvSpPr>
+          <p:cNvPr id="2" name="Slide Image Placeholder 1"/>
+          <p:cNvSpPr>
+            <a:spLocks noGrp="1" noRot="1" noChangeAspect="1"/>
+          </p:cNvSpPr>
+          <p:nvPr>
+            <p:ph type="sldImg"/>
+          </p:nvPr>
+        </p:nvSpPr>
+        <p:spPr/>
+      </p:sp>
+      <p:sp>
+        <p:nvSpPr>
+          <p:cNvPr id="3" name="Notes Placeholder 2"/>
+          <p:cNvSpPr>
+            <a:spLocks noGrp="1"/>
+          </p:cNvSpPr>
+          <p:nvPr>
+            <p:ph type="body" idx="1"/>
+          </p:nvPr>
+        </p:nvSpPr>
+        <p:spPr/>
+        <p:txBody>
+          <a:bodyPr/>
+          <a:lstStyle/>
+          <a:p>
+            <a:r>
+              <a:rPr lang="en-US" dirty="0"/>
+              <a:t>I asked John why Bob left.</a:t>
+            </a:r>
+            <a:r>
+              <a:rPr lang="en-US" baseline="0" dirty="0"/>
+              <a:t>  John says it was the Ithaca winter---Bob was a Californian and went back there.</a:t>
+            </a:r>
+            <a:endParaRPr lang="en-US" dirty="0"/>
+          </a:p>
+        </p:txBody>
+      </p:sp>
+      <p:sp>
+        <p:nvSpPr>
+          <p:cNvPr id="4" name="Slide Number Placeholder 3"/>
+          <p:cNvSpPr>
+            <a:spLocks noGrp="1"/>
+          </p:cNvSpPr>
+          <p:nvPr>
+            <p:ph type="sldNum" sz="quarter" idx="10"/>
+          </p:nvPr>
+        </p:nvSpPr>
+        <p:spPr/>
+        <p:txBody>
+          <a:bodyPr/>
+          <a:lstStyle/>
+          <a:p>
+            <a:fld id="{B7975FD5-AB21-4C45-BFE8-1D3F02B463E2}" type="slidenum">
+              <a:rPr lang="en-US" smtClean="0"/>
+              <a:t>32</a:t>
+            </a:fld>
+            <a:endParaRPr lang="en-US"/>
+          </a:p>
+        </p:txBody>
+      </p:sp>
+    </p:spTree>
+    <p:extLst>
+      <p:ext uri="{BB962C8B-B14F-4D97-AF65-F5344CB8AC3E}">
+        <p14:creationId xmlns:p14="http://schemas.microsoft.com/office/powerpoint/2010/main" val="1509418287"/>
+      </p:ext>
+    </p:extLst>
+  </p:cSld>
+  <p:clrMapOvr>
+    <a:masterClrMapping/>
+  </p:clrMapOvr>
+</p:notes>
+</file>
+
+<file path=ppt/notesSlides/notesSlide22.xml><?xml version="1.0" encoding="utf-8"?>
+<p:notes xmlns:a="http://schemas.openxmlformats.org/drawingml/2006/main" xmlns:r="http://schemas.openxmlformats.org/officeDocument/2006/relationships" xmlns:p="http://schemas.openxmlformats.org/presentationml/2006/main">
+  <p:cSld>
+    <p:spTree>
+      <p:nvGrpSpPr>
+        <p:cNvPr id="1" name=""/>
+        <p:cNvGrpSpPr/>
+        <p:nvPr/>
+      </p:nvGrpSpPr>
+      <p:grpSpPr>
+        <a:xfrm>
+          <a:off x="0" y="0"/>
+          <a:ext cx="0" cy="0"/>
+          <a:chOff x="0" y="0"/>
+          <a:chExt cx="0" cy="0"/>
+        </a:xfrm>
+      </p:grpSpPr>
+      <p:sp>
+        <p:nvSpPr>
+          <p:cNvPr id="2" name="Slide Image Placeholder 1"/>
+          <p:cNvSpPr>
+            <a:spLocks noGrp="1" noRot="1" noChangeAspect="1"/>
+          </p:cNvSpPr>
+          <p:nvPr>
+            <p:ph type="sldImg"/>
+          </p:nvPr>
+        </p:nvSpPr>
+        <p:spPr/>
+      </p:sp>
+      <p:sp>
+        <p:nvSpPr>
+          <p:cNvPr id="3" name="Notes Placeholder 2"/>
+          <p:cNvSpPr>
+            <a:spLocks noGrp="1"/>
+          </p:cNvSpPr>
+          <p:nvPr>
+            <p:ph type="body" idx="1"/>
+          </p:nvPr>
+        </p:nvSpPr>
+        <p:spPr/>
+        <p:txBody>
+          <a:bodyPr/>
+          <a:lstStyle/>
+          <a:p>
+            <a:endParaRPr lang="en-US" dirty="0"/>
+          </a:p>
+        </p:txBody>
+      </p:sp>
+      <p:sp>
+        <p:nvSpPr>
+          <p:cNvPr id="4" name="Slide Number Placeholder 3"/>
+          <p:cNvSpPr>
+            <a:spLocks noGrp="1"/>
+          </p:cNvSpPr>
+          <p:nvPr>
+            <p:ph type="sldNum" sz="quarter" idx="10"/>
+          </p:nvPr>
+        </p:nvSpPr>
+        <p:spPr/>
+        <p:txBody>
+          <a:bodyPr/>
+          <a:lstStyle/>
+          <a:p>
+            <a:fld id="{B7975FD5-AB21-4C45-BFE8-1D3F02B463E2}" type="slidenum">
+              <a:rPr lang="en-US" smtClean="0"/>
+              <a:t>33</a:t>
+            </a:fld>
+            <a:endParaRPr lang="en-US"/>
+          </a:p>
+        </p:txBody>
+      </p:sp>
+    </p:spTree>
+    <p:extLst>
+      <p:ext uri="{BB962C8B-B14F-4D97-AF65-F5344CB8AC3E}">
+        <p14:creationId xmlns:p14="http://schemas.microsoft.com/office/powerpoint/2010/main" val="2847625345"/>
       </p:ext>
     </p:extLst>
   </p:cSld>
@@ -2001,7 +2612,7 @@
             <a:pPr lvl="1"/>
             <a:r>
               <a:rPr lang="en-US" dirty="0"/>
-              <a:t>Cost: O(n)</a:t>
+              <a:t>Expected Cost: O(n)</a:t>
             </a:r>
           </a:p>
           <a:p>
@@ -2415,7 +3026,7 @@
           <a:p>
             <a:fld id="{96331252-4874-F047-84B8-3D3EF8743E79}" type="datetimeFigureOut">
               <a:rPr lang="en-US" smtClean="0"/>
-              <a:t>10/21/19</a:t>
+              <a:t>10/22/19</a:t>
             </a:fld>
             <a:endParaRPr lang="en-US"/>
           </a:p>
@@ -2682,7 +3293,7 @@
           <a:p>
             <a:fld id="{96331252-4874-F047-84B8-3D3EF8743E79}" type="datetimeFigureOut">
               <a:rPr lang="en-US" smtClean="0"/>
-              <a:t>10/21/19</a:t>
+              <a:t>10/22/19</a:t>
             </a:fld>
             <a:endParaRPr lang="en-US"/>
           </a:p>
@@ -2860,7 +3471,7 @@
           <a:p>
             <a:fld id="{96331252-4874-F047-84B8-3D3EF8743E79}" type="datetimeFigureOut">
               <a:rPr lang="en-US" smtClean="0"/>
-              <a:t>10/21/19</a:t>
+              <a:t>10/22/19</a:t>
             </a:fld>
             <a:endParaRPr lang="en-US"/>
           </a:p>
@@ -3106,7 +3717,7 @@
           <a:p>
             <a:fld id="{96331252-4874-F047-84B8-3D3EF8743E79}" type="datetimeFigureOut">
               <a:rPr lang="en-US" smtClean="0"/>
-              <a:t>10/21/19</a:t>
+              <a:t>10/22/19</a:t>
             </a:fld>
             <a:endParaRPr lang="en-US"/>
           </a:p>
@@ -3511,7 +4122,7 @@
           <a:p>
             <a:fld id="{96331252-4874-F047-84B8-3D3EF8743E79}" type="datetimeFigureOut">
               <a:rPr lang="en-US" smtClean="0"/>
-              <a:t>10/21/19</a:t>
+              <a:t>10/22/19</a:t>
             </a:fld>
             <a:endParaRPr lang="en-US"/>
           </a:p>
@@ -3756,7 +4367,7 @@
           <a:p>
             <a:fld id="{96331252-4874-F047-84B8-3D3EF8743E79}" type="datetimeFigureOut">
               <a:rPr lang="en-US" smtClean="0"/>
-              <a:t>10/21/19</a:t>
+              <a:t>10/22/19</a:t>
             </a:fld>
             <a:endParaRPr lang="en-US"/>
           </a:p>
@@ -4041,7 +4652,7 @@
           <a:p>
             <a:fld id="{96331252-4874-F047-84B8-3D3EF8743E79}" type="datetimeFigureOut">
               <a:rPr lang="en-US" smtClean="0"/>
-              <a:t>10/21/19</a:t>
+              <a:t>10/22/19</a:t>
             </a:fld>
             <a:endParaRPr lang="en-US"/>
           </a:p>
@@ -4460,7 +5071,7 @@
           <a:p>
             <a:fld id="{96331252-4874-F047-84B8-3D3EF8743E79}" type="datetimeFigureOut">
               <a:rPr lang="en-US" smtClean="0"/>
-              <a:t>10/21/19</a:t>
+              <a:t>10/22/19</a:t>
             </a:fld>
             <a:endParaRPr lang="en-US"/>
           </a:p>
@@ -4577,7 +5188,7 @@
           <a:p>
             <a:fld id="{96331252-4874-F047-84B8-3D3EF8743E79}" type="datetimeFigureOut">
               <a:rPr lang="en-US" smtClean="0"/>
-              <a:t>10/21/19</a:t>
+              <a:t>10/22/19</a:t>
             </a:fld>
             <a:endParaRPr lang="en-US"/>
           </a:p>
@@ -4672,7 +5283,7 @@
           <a:p>
             <a:fld id="{96331252-4874-F047-84B8-3D3EF8743E79}" type="datetimeFigureOut">
               <a:rPr lang="en-US" smtClean="0"/>
-              <a:t>10/21/19</a:t>
+              <a:t>10/22/19</a:t>
             </a:fld>
             <a:endParaRPr lang="en-US"/>
           </a:p>
@@ -4947,7 +5558,7 @@
           <a:p>
             <a:fld id="{96331252-4874-F047-84B8-3D3EF8743E79}" type="datetimeFigureOut">
               <a:rPr lang="en-US" smtClean="0"/>
-              <a:t>10/21/19</a:t>
+              <a:t>10/22/19</a:t>
             </a:fld>
             <a:endParaRPr lang="en-US"/>
           </a:p>
@@ -5199,7 +5810,7 @@
           <a:p>
             <a:fld id="{96331252-4874-F047-84B8-3D3EF8743E79}" type="datetimeFigureOut">
               <a:rPr lang="en-US" smtClean="0"/>
-              <a:t>10/21/19</a:t>
+              <a:t>10/22/19</a:t>
             </a:fld>
             <a:endParaRPr lang="en-US"/>
           </a:p>
@@ -5413,7 +6024,7 @@
             <a:fld id="{96331252-4874-F047-84B8-3D3EF8743E79}" type="datetimeFigureOut">
               <a:rPr lang="en-US" smtClean="0"/>
               <a:pPr/>
-              <a:t>10/21/19</a:t>
+              <a:t>10/22/19</a:t>
             </a:fld>
             <a:endParaRPr lang="en-US"/>
           </a:p>
@@ -7211,8 +7822,8 @@
         </p:nvSpPr>
         <p:spPr>
           <a:xfrm>
-            <a:off x="2588123" y="5774117"/>
-            <a:ext cx="4083169" cy="646331"/>
+            <a:off x="1707273" y="5792385"/>
+            <a:ext cx="5729454" cy="646331"/>
           </a:xfrm>
           <a:prstGeom prst="rect">
             <a:avLst/>
@@ -7233,7 +7844,7 @@
                 <a:latin typeface="CronosPro-Regular"/>
                 <a:cs typeface="CronosPro-Regular"/>
               </a:rPr>
-              <a:t>Cost = 2n O(1)= O(n)</a:t>
+              <a:t>Expected cost = 2n O(1)= O(n)</a:t>
             </a:r>
           </a:p>
         </p:txBody>
@@ -8830,7 +9441,7 @@
                   <a:schemeClr val="accent6"/>
                 </a:solidFill>
               </a:rPr>
-              <a:t>Cost = O(n) + O(n) = O(n)</a:t>
+              <a:t>Expected cost = O(n) + O(n) = O(n)</a:t>
             </a:r>
           </a:p>
           <a:p>
@@ -9325,9 +9936,609 @@
             <p:ph idx="1"/>
             <p:extLst>
               <p:ext uri="{D42A27DB-BD31-4B8C-83A1-F6EECF244321}">
-                <p14:modId xmlns:p14="http://schemas.microsoft.com/office/powerpoint/2010/main" val="1882672909"/>
+                <p14:modId xmlns:p14="http://schemas.microsoft.com/office/powerpoint/2010/main" val="2214979898"/>
               </p:ext>
             </p:extLst>
+          </p:nvPr>
+        </p:nvGraphicFramePr>
+        <p:xfrm>
+          <a:off x="457200" y="1600200"/>
+          <a:ext cx="8229600" cy="1645920"/>
+        </p:xfrm>
+        <a:graphic>
+          <a:graphicData uri="http://schemas.openxmlformats.org/drawingml/2006/table">
+            <a:tbl>
+              <a:tblPr firstRow="1" bandRow="1">
+                <a:tableStyleId>{5C22544A-7EE6-4342-B048-85BDC9FD1C3A}</a:tableStyleId>
+              </a:tblPr>
+              <a:tblGrid>
+                <a:gridCol w="2057400">
+                  <a:extLst>
+                    <a:ext uri="{9D8B030D-6E8A-4147-A177-3AD203B41FA5}">
+                      <a16:colId xmlns:a16="http://schemas.microsoft.com/office/drawing/2014/main" val="3745908624"/>
+                    </a:ext>
+                  </a:extLst>
+                </a:gridCol>
+                <a:gridCol w="2057400">
+                  <a:extLst>
+                    <a:ext uri="{9D8B030D-6E8A-4147-A177-3AD203B41FA5}">
+                      <a16:colId xmlns:a16="http://schemas.microsoft.com/office/drawing/2014/main" val="1657310240"/>
+                    </a:ext>
+                  </a:extLst>
+                </a:gridCol>
+                <a:gridCol w="2057400">
+                  <a:extLst>
+                    <a:ext uri="{9D8B030D-6E8A-4147-A177-3AD203B41FA5}">
+                      <a16:colId xmlns:a16="http://schemas.microsoft.com/office/drawing/2014/main" val="3274476439"/>
+                    </a:ext>
+                  </a:extLst>
+                </a:gridCol>
+                <a:gridCol w="2057400">
+                  <a:extLst>
+                    <a:ext uri="{9D8B030D-6E8A-4147-A177-3AD203B41FA5}">
+                      <a16:colId xmlns:a16="http://schemas.microsoft.com/office/drawing/2014/main" val="1638776203"/>
+                    </a:ext>
+                  </a:extLst>
+                </a:gridCol>
+              </a:tblGrid>
+              <a:tr h="370840">
+                <a:tc>
+                  <a:txBody>
+                    <a:bodyPr/>
+                    <a:lstStyle/>
+                    <a:p>
+                      <a:r>
+                        <a:rPr lang="en-US" sz="3200" dirty="0"/>
+                        <a:t>Capacity</a:t>
+                      </a:r>
+                    </a:p>
+                  </a:txBody>
+                  <a:tcPr/>
+                </a:tc>
+                <a:tc>
+                  <a:txBody>
+                    <a:bodyPr/>
+                    <a:lstStyle/>
+                    <a:p>
+                      <a:r>
+                        <a:rPr lang="en-US" sz="3200" dirty="0"/>
+                        <a:t>Bindings</a:t>
+                      </a:r>
+                    </a:p>
+                  </a:txBody>
+                  <a:tcPr/>
+                </a:tc>
+                <a:tc>
+                  <a:txBody>
+                    <a:bodyPr/>
+                    <a:lstStyle/>
+                    <a:p>
+                      <a:r>
+                        <a:rPr lang="en-US" sz="3200" dirty="0"/>
+                        <a:t>Load factor </a:t>
+                      </a:r>
+                      <a:r>
+                        <a:rPr lang="en-US" sz="3200" dirty="0">
+                          <a:latin typeface="Symbol" pitchFamily="2" charset="2"/>
+                        </a:rPr>
+                        <a:t>a</a:t>
+                      </a:r>
+                    </a:p>
+                  </a:txBody>
+                  <a:tcPr/>
+                </a:tc>
+                <a:tc>
+                  <a:txBody>
+                    <a:bodyPr/>
+                    <a:lstStyle/>
+                    <a:p>
+                      <a:r>
+                        <a:rPr lang="en-US" sz="3200" dirty="0"/>
+                        <a:t>Balance</a:t>
+                      </a:r>
+                    </a:p>
+                  </a:txBody>
+                  <a:tcPr/>
+                </a:tc>
+                <a:extLst>
+                  <a:ext uri="{0D108BD9-81ED-4DB2-BD59-A6C34878D82A}">
+                    <a16:rowId xmlns:a16="http://schemas.microsoft.com/office/drawing/2014/main" val="3000257085"/>
+                  </a:ext>
+                </a:extLst>
+              </a:tr>
+              <a:tr h="370840">
+                <a:tc>
+                  <a:txBody>
+                    <a:bodyPr/>
+                    <a:lstStyle/>
+                    <a:p>
+                      <a:r>
+                        <a:rPr lang="en-US" sz="3200" dirty="0"/>
+                        <a:t>16</a:t>
+                      </a:r>
+                    </a:p>
+                  </a:txBody>
+                  <a:tcPr/>
+                </a:tc>
+                <a:tc>
+                  <a:txBody>
+                    <a:bodyPr/>
+                    <a:lstStyle/>
+                    <a:p>
+                      <a:r>
+                        <a:rPr lang="en-US" sz="3200" dirty="0"/>
+                        <a:t>16</a:t>
+                      </a:r>
+                    </a:p>
+                  </a:txBody>
+                  <a:tcPr/>
+                </a:tc>
+                <a:tc>
+                  <a:txBody>
+                    <a:bodyPr/>
+                    <a:lstStyle/>
+                    <a:p>
+                      <a:r>
+                        <a:rPr lang="en-US" sz="3200" dirty="0"/>
+                        <a:t>1</a:t>
+                      </a:r>
+                    </a:p>
+                  </a:txBody>
+                  <a:tcPr/>
+                </a:tc>
+                <a:tc>
+                  <a:txBody>
+                    <a:bodyPr/>
+                    <a:lstStyle/>
+                    <a:p>
+                      <a:r>
+                        <a:rPr lang="en-US" sz="3200" dirty="0"/>
+                        <a:t>$0</a:t>
+                      </a:r>
+                    </a:p>
+                  </a:txBody>
+                  <a:tcPr/>
+                </a:tc>
+                <a:extLst>
+                  <a:ext uri="{0D108BD9-81ED-4DB2-BD59-A6C34878D82A}">
+                    <a16:rowId xmlns:a16="http://schemas.microsoft.com/office/drawing/2014/main" val="56585117"/>
+                  </a:ext>
+                </a:extLst>
+              </a:tr>
+            </a:tbl>
+          </a:graphicData>
+        </a:graphic>
+      </p:graphicFrame>
+    </p:spTree>
+    <p:extLst>
+      <p:ext uri="{BB962C8B-B14F-4D97-AF65-F5344CB8AC3E}">
+        <p14:creationId xmlns:p14="http://schemas.microsoft.com/office/powerpoint/2010/main" val="191892971"/>
+      </p:ext>
+    </p:extLst>
+  </p:cSld>
+  <p:clrMapOvr>
+    <a:masterClrMapping/>
+  </p:clrMapOvr>
+</p:sld>
+</file>
+
+<file path=ppt/slides/slide16.xml><?xml version="1.0" encoding="utf-8"?>
+<p:sld xmlns:a="http://schemas.openxmlformats.org/drawingml/2006/main" xmlns:r="http://schemas.openxmlformats.org/officeDocument/2006/relationships" xmlns:p="http://schemas.openxmlformats.org/presentationml/2006/main">
+  <p:cSld>
+    <p:spTree>
+      <p:nvGrpSpPr>
+        <p:cNvPr id="1" name=""/>
+        <p:cNvGrpSpPr/>
+        <p:nvPr/>
+      </p:nvGrpSpPr>
+      <p:grpSpPr>
+        <a:xfrm>
+          <a:off x="0" y="0"/>
+          <a:ext cx="0" cy="0"/>
+          <a:chOff x="0" y="0"/>
+          <a:chExt cx="0" cy="0"/>
+        </a:xfrm>
+      </p:grpSpPr>
+      <p:sp>
+        <p:nvSpPr>
+          <p:cNvPr id="2" name="Title 1">
+            <a:extLst>
+              <a:ext uri="{FF2B5EF4-FFF2-40B4-BE49-F238E27FC236}">
+                <a16:creationId xmlns:a16="http://schemas.microsoft.com/office/drawing/2014/main" id="{251E5071-3FCA-604C-95E1-E2788289AEE8}"/>
+              </a:ext>
+            </a:extLst>
+          </p:cNvPr>
+          <p:cNvSpPr>
+            <a:spLocks noGrp="1"/>
+          </p:cNvSpPr>
+          <p:nvPr>
+            <p:ph type="title"/>
+          </p:nvPr>
+        </p:nvSpPr>
+        <p:spPr/>
+        <p:txBody>
+          <a:bodyPr/>
+          <a:lstStyle/>
+          <a:p>
+            <a:r>
+              <a:rPr lang="en-US" dirty="0"/>
+              <a:t>Bank account balance</a:t>
+            </a:r>
+          </a:p>
+        </p:txBody>
+      </p:sp>
+      <p:graphicFrame>
+        <p:nvGraphicFramePr>
+          <p:cNvPr id="4" name="Content Placeholder 3">
+            <a:extLst>
+              <a:ext uri="{FF2B5EF4-FFF2-40B4-BE49-F238E27FC236}">
+                <a16:creationId xmlns:a16="http://schemas.microsoft.com/office/drawing/2014/main" id="{0C9247C9-4084-4D47-A014-525F10A4E9FE}"/>
+              </a:ext>
+            </a:extLst>
+          </p:cNvPr>
+          <p:cNvGraphicFramePr>
+            <a:graphicFrameLocks noGrp="1"/>
+          </p:cNvGraphicFramePr>
+          <p:nvPr>
+            <p:ph idx="1"/>
+            <p:extLst>
+              <p:ext uri="{D42A27DB-BD31-4B8C-83A1-F6EECF244321}">
+                <p14:modId xmlns:p14="http://schemas.microsoft.com/office/powerpoint/2010/main" val="247881963"/>
+              </p:ext>
+            </p:extLst>
+          </p:nvPr>
+        </p:nvGraphicFramePr>
+        <p:xfrm>
+          <a:off x="457200" y="1600200"/>
+          <a:ext cx="8229600" cy="2804160"/>
+        </p:xfrm>
+        <a:graphic>
+          <a:graphicData uri="http://schemas.openxmlformats.org/drawingml/2006/table">
+            <a:tbl>
+              <a:tblPr firstRow="1" bandRow="1">
+                <a:tableStyleId>{5C22544A-7EE6-4342-B048-85BDC9FD1C3A}</a:tableStyleId>
+              </a:tblPr>
+              <a:tblGrid>
+                <a:gridCol w="2057400">
+                  <a:extLst>
+                    <a:ext uri="{9D8B030D-6E8A-4147-A177-3AD203B41FA5}">
+                      <a16:colId xmlns:a16="http://schemas.microsoft.com/office/drawing/2014/main" val="3745908624"/>
+                    </a:ext>
+                  </a:extLst>
+                </a:gridCol>
+                <a:gridCol w="2057400">
+                  <a:extLst>
+                    <a:ext uri="{9D8B030D-6E8A-4147-A177-3AD203B41FA5}">
+                      <a16:colId xmlns:a16="http://schemas.microsoft.com/office/drawing/2014/main" val="1657310240"/>
+                    </a:ext>
+                  </a:extLst>
+                </a:gridCol>
+                <a:gridCol w="2057400">
+                  <a:extLst>
+                    <a:ext uri="{9D8B030D-6E8A-4147-A177-3AD203B41FA5}">
+                      <a16:colId xmlns:a16="http://schemas.microsoft.com/office/drawing/2014/main" val="3274476439"/>
+                    </a:ext>
+                  </a:extLst>
+                </a:gridCol>
+                <a:gridCol w="2057400">
+                  <a:extLst>
+                    <a:ext uri="{9D8B030D-6E8A-4147-A177-3AD203B41FA5}">
+                      <a16:colId xmlns:a16="http://schemas.microsoft.com/office/drawing/2014/main" val="1638776203"/>
+                    </a:ext>
+                  </a:extLst>
+                </a:gridCol>
+              </a:tblGrid>
+              <a:tr h="370840">
+                <a:tc>
+                  <a:txBody>
+                    <a:bodyPr/>
+                    <a:lstStyle/>
+                    <a:p>
+                      <a:r>
+                        <a:rPr lang="en-US" sz="3200" dirty="0"/>
+                        <a:t>Capacity</a:t>
+                      </a:r>
+                    </a:p>
+                  </a:txBody>
+                  <a:tcPr/>
+                </a:tc>
+                <a:tc>
+                  <a:txBody>
+                    <a:bodyPr/>
+                    <a:lstStyle/>
+                    <a:p>
+                      <a:r>
+                        <a:rPr lang="en-US" sz="3200" dirty="0"/>
+                        <a:t>Bindings</a:t>
+                      </a:r>
+                    </a:p>
+                  </a:txBody>
+                  <a:tcPr/>
+                </a:tc>
+                <a:tc>
+                  <a:txBody>
+                    <a:bodyPr/>
+                    <a:lstStyle/>
+                    <a:p>
+                      <a:r>
+                        <a:rPr lang="en-US" sz="3200" dirty="0"/>
+                        <a:t>Load factor </a:t>
+                      </a:r>
+                      <a:r>
+                        <a:rPr lang="en-US" sz="3200" dirty="0">
+                          <a:latin typeface="Symbol" pitchFamily="2" charset="2"/>
+                        </a:rPr>
+                        <a:t>a</a:t>
+                      </a:r>
+                    </a:p>
+                  </a:txBody>
+                  <a:tcPr/>
+                </a:tc>
+                <a:tc>
+                  <a:txBody>
+                    <a:bodyPr/>
+                    <a:lstStyle/>
+                    <a:p>
+                      <a:r>
+                        <a:rPr lang="en-US" sz="3200" dirty="0"/>
+                        <a:t>Balance</a:t>
+                      </a:r>
+                    </a:p>
+                  </a:txBody>
+                  <a:tcPr/>
+                </a:tc>
+                <a:extLst>
+                  <a:ext uri="{0D108BD9-81ED-4DB2-BD59-A6C34878D82A}">
+                    <a16:rowId xmlns:a16="http://schemas.microsoft.com/office/drawing/2014/main" val="3000257085"/>
+                  </a:ext>
+                </a:extLst>
+              </a:tr>
+              <a:tr h="370840">
+                <a:tc>
+                  <a:txBody>
+                    <a:bodyPr/>
+                    <a:lstStyle/>
+                    <a:p>
+                      <a:r>
+                        <a:rPr lang="en-US" sz="3200" dirty="0"/>
+                        <a:t>16</a:t>
+                      </a:r>
+                    </a:p>
+                  </a:txBody>
+                  <a:tcPr/>
+                </a:tc>
+                <a:tc>
+                  <a:txBody>
+                    <a:bodyPr/>
+                    <a:lstStyle/>
+                    <a:p>
+                      <a:r>
+                        <a:rPr lang="en-US" sz="3200" dirty="0"/>
+                        <a:t>16</a:t>
+                      </a:r>
+                    </a:p>
+                  </a:txBody>
+                  <a:tcPr/>
+                </a:tc>
+                <a:tc>
+                  <a:txBody>
+                    <a:bodyPr/>
+                    <a:lstStyle/>
+                    <a:p>
+                      <a:r>
+                        <a:rPr lang="en-US" sz="3200" dirty="0"/>
+                        <a:t>1</a:t>
+                      </a:r>
+                    </a:p>
+                  </a:txBody>
+                  <a:tcPr/>
+                </a:tc>
+                <a:tc>
+                  <a:txBody>
+                    <a:bodyPr/>
+                    <a:lstStyle/>
+                    <a:p>
+                      <a:r>
+                        <a:rPr lang="en-US" sz="3200" dirty="0"/>
+                        <a:t>$0</a:t>
+                      </a:r>
+                    </a:p>
+                  </a:txBody>
+                  <a:tcPr/>
+                </a:tc>
+                <a:extLst>
+                  <a:ext uri="{0D108BD9-81ED-4DB2-BD59-A6C34878D82A}">
+                    <a16:rowId xmlns:a16="http://schemas.microsoft.com/office/drawing/2014/main" val="56585117"/>
+                  </a:ext>
+                </a:extLst>
+              </a:tr>
+              <a:tr h="370840">
+                <a:tc gridSpan="4">
+                  <a:txBody>
+                    <a:bodyPr/>
+                    <a:lstStyle/>
+                    <a:p>
+                      <a:pPr algn="ctr"/>
+                      <a:r>
+                        <a:rPr lang="en-US" sz="3200" dirty="0"/>
+                        <a:t>Insert 16 bindings</a:t>
+                      </a:r>
+                    </a:p>
+                  </a:txBody>
+                  <a:tcPr/>
+                </a:tc>
+                <a:tc hMerge="1">
+                  <a:txBody>
+                    <a:bodyPr/>
+                    <a:lstStyle/>
+                    <a:p>
+                      <a:endParaRPr lang="en-US" dirty="0"/>
+                    </a:p>
+                  </a:txBody>
+                  <a:tcPr/>
+                </a:tc>
+                <a:tc hMerge="1">
+                  <a:txBody>
+                    <a:bodyPr/>
+                    <a:lstStyle/>
+                    <a:p>
+                      <a:endParaRPr lang="en-US" dirty="0"/>
+                    </a:p>
+                  </a:txBody>
+                  <a:tcPr/>
+                </a:tc>
+                <a:tc hMerge="1">
+                  <a:txBody>
+                    <a:bodyPr/>
+                    <a:lstStyle/>
+                    <a:p>
+                      <a:endParaRPr lang="en-US" dirty="0"/>
+                    </a:p>
+                  </a:txBody>
+                  <a:tcPr/>
+                </a:tc>
+                <a:extLst>
+                  <a:ext uri="{0D108BD9-81ED-4DB2-BD59-A6C34878D82A}">
+                    <a16:rowId xmlns:a16="http://schemas.microsoft.com/office/drawing/2014/main" val="1044119566"/>
+                  </a:ext>
+                </a:extLst>
+              </a:tr>
+              <a:tr h="370840">
+                <a:tc>
+                  <a:txBody>
+                    <a:bodyPr/>
+                    <a:lstStyle/>
+                    <a:p>
+                      <a:r>
+                        <a:rPr lang="en-US" sz="3200" dirty="0"/>
+                        <a:t>16</a:t>
+                      </a:r>
+                    </a:p>
+                  </a:txBody>
+                  <a:tcPr/>
+                </a:tc>
+                <a:tc>
+                  <a:txBody>
+                    <a:bodyPr/>
+                    <a:lstStyle/>
+                    <a:p>
+                      <a:r>
+                        <a:rPr lang="en-US" sz="3200" dirty="0"/>
+                        <a:t>32</a:t>
+                      </a:r>
+                    </a:p>
+                  </a:txBody>
+                  <a:tcPr/>
+                </a:tc>
+                <a:tc>
+                  <a:txBody>
+                    <a:bodyPr/>
+                    <a:lstStyle/>
+                    <a:p>
+                      <a:r>
+                        <a:rPr lang="en-US" sz="3200" dirty="0"/>
+                        <a:t>2</a:t>
+                      </a:r>
+                    </a:p>
+                  </a:txBody>
+                  <a:tcPr/>
+                </a:tc>
+                <a:tc>
+                  <a:txBody>
+                    <a:bodyPr/>
+                    <a:lstStyle/>
+                    <a:p>
+                      <a:r>
+                        <a:rPr lang="en-US" sz="3200" dirty="0"/>
+                        <a:t>$16r</a:t>
+                      </a:r>
+                    </a:p>
+                  </a:txBody>
+                  <a:tcPr/>
+                </a:tc>
+                <a:extLst>
+                  <a:ext uri="{0D108BD9-81ED-4DB2-BD59-A6C34878D82A}">
+                    <a16:rowId xmlns:a16="http://schemas.microsoft.com/office/drawing/2014/main" val="1674221152"/>
+                  </a:ext>
+                </a:extLst>
+              </a:tr>
+            </a:tbl>
+          </a:graphicData>
+        </a:graphic>
+      </p:graphicFrame>
+    </p:spTree>
+    <p:extLst>
+      <p:ext uri="{BB962C8B-B14F-4D97-AF65-F5344CB8AC3E}">
+        <p14:creationId xmlns:p14="http://schemas.microsoft.com/office/powerpoint/2010/main" val="2471746654"/>
+      </p:ext>
+    </p:extLst>
+  </p:cSld>
+  <p:clrMapOvr>
+    <a:masterClrMapping/>
+  </p:clrMapOvr>
+</p:sld>
+</file>
+
+<file path=ppt/slides/slide17.xml><?xml version="1.0" encoding="utf-8"?>
+<p:sld xmlns:a="http://schemas.openxmlformats.org/drawingml/2006/main" xmlns:r="http://schemas.openxmlformats.org/officeDocument/2006/relationships" xmlns:p="http://schemas.openxmlformats.org/presentationml/2006/main">
+  <p:cSld>
+    <p:spTree>
+      <p:nvGrpSpPr>
+        <p:cNvPr id="1" name=""/>
+        <p:cNvGrpSpPr/>
+        <p:nvPr/>
+      </p:nvGrpSpPr>
+      <p:grpSpPr>
+        <a:xfrm>
+          <a:off x="0" y="0"/>
+          <a:ext cx="0" cy="0"/>
+          <a:chOff x="0" y="0"/>
+          <a:chExt cx="0" cy="0"/>
+        </a:xfrm>
+      </p:grpSpPr>
+      <p:sp>
+        <p:nvSpPr>
+          <p:cNvPr id="2" name="Title 1">
+            <a:extLst>
+              <a:ext uri="{FF2B5EF4-FFF2-40B4-BE49-F238E27FC236}">
+                <a16:creationId xmlns:a16="http://schemas.microsoft.com/office/drawing/2014/main" id="{251E5071-3FCA-604C-95E1-E2788289AEE8}"/>
+              </a:ext>
+            </a:extLst>
+          </p:cNvPr>
+          <p:cNvSpPr>
+            <a:spLocks noGrp="1"/>
+          </p:cNvSpPr>
+          <p:nvPr>
+            <p:ph type="title"/>
+          </p:nvPr>
+        </p:nvSpPr>
+        <p:spPr/>
+        <p:txBody>
+          <a:bodyPr/>
+          <a:lstStyle/>
+          <a:p>
+            <a:r>
+              <a:rPr lang="en-US" dirty="0"/>
+              <a:t>Bank account balance</a:t>
+            </a:r>
+          </a:p>
+        </p:txBody>
+      </p:sp>
+      <p:graphicFrame>
+        <p:nvGraphicFramePr>
+          <p:cNvPr id="4" name="Content Placeholder 3">
+            <a:extLst>
+              <a:ext uri="{FF2B5EF4-FFF2-40B4-BE49-F238E27FC236}">
+                <a16:creationId xmlns:a16="http://schemas.microsoft.com/office/drawing/2014/main" id="{0C9247C9-4084-4D47-A014-525F10A4E9FE}"/>
+              </a:ext>
+            </a:extLst>
+          </p:cNvPr>
+          <p:cNvGraphicFramePr>
+            <a:graphicFrameLocks noGrp="1"/>
+          </p:cNvGraphicFramePr>
+          <p:nvPr>
+            <p:ph idx="1"/>
+            <p:extLst/>
           </p:nvPr>
         </p:nvGraphicFramePr>
         <p:xfrm>
@@ -9802,7 +11013,7 @@
     </p:spTree>
     <p:extLst>
       <p:ext uri="{BB962C8B-B14F-4D97-AF65-F5344CB8AC3E}">
-        <p14:creationId xmlns:p14="http://schemas.microsoft.com/office/powerpoint/2010/main" val="191892971"/>
+        <p14:creationId xmlns:p14="http://schemas.microsoft.com/office/powerpoint/2010/main" val="2743691257"/>
       </p:ext>
     </p:extLst>
   </p:cSld>
@@ -9935,7 +11146,7 @@
 </p:sld>
 </file>
 
-<file path=ppt/slides/slide16.xml><?xml version="1.0" encoding="utf-8"?>
+<file path=ppt/slides/slide18.xml><?xml version="1.0" encoding="utf-8"?>
 <p:sld xmlns:a="http://schemas.openxmlformats.org/drawingml/2006/main" xmlns:r="http://schemas.openxmlformats.org/officeDocument/2006/relationships" xmlns:p="http://schemas.openxmlformats.org/presentationml/2006/main">
   <p:cSld>
     <p:spTree>
@@ -9996,9 +11207,916 @@
             <p:ph idx="1"/>
             <p:extLst>
               <p:ext uri="{D42A27DB-BD31-4B8C-83A1-F6EECF244321}">
-                <p14:modId xmlns:p14="http://schemas.microsoft.com/office/powerpoint/2010/main" val="703706264"/>
+                <p14:modId xmlns:p14="http://schemas.microsoft.com/office/powerpoint/2010/main" val="974939705"/>
               </p:ext>
             </p:extLst>
+          </p:nvPr>
+        </p:nvGraphicFramePr>
+        <p:xfrm>
+          <a:off x="457200" y="1600200"/>
+          <a:ext cx="8229600" cy="1828800"/>
+        </p:xfrm>
+        <a:graphic>
+          <a:graphicData uri="http://schemas.openxmlformats.org/drawingml/2006/table">
+            <a:tbl>
+              <a:tblPr firstRow="1" bandRow="1">
+                <a:tableStyleId>{5C22544A-7EE6-4342-B048-85BDC9FD1C3A}</a:tableStyleId>
+              </a:tblPr>
+              <a:tblGrid>
+                <a:gridCol w="2057400">
+                  <a:extLst>
+                    <a:ext uri="{9D8B030D-6E8A-4147-A177-3AD203B41FA5}">
+                      <a16:colId xmlns:a16="http://schemas.microsoft.com/office/drawing/2014/main" val="3745908624"/>
+                    </a:ext>
+                  </a:extLst>
+                </a:gridCol>
+                <a:gridCol w="2057400">
+                  <a:extLst>
+                    <a:ext uri="{9D8B030D-6E8A-4147-A177-3AD203B41FA5}">
+                      <a16:colId xmlns:a16="http://schemas.microsoft.com/office/drawing/2014/main" val="1657310240"/>
+                    </a:ext>
+                  </a:extLst>
+                </a:gridCol>
+                <a:gridCol w="2057400">
+                  <a:extLst>
+                    <a:ext uri="{9D8B030D-6E8A-4147-A177-3AD203B41FA5}">
+                      <a16:colId xmlns:a16="http://schemas.microsoft.com/office/drawing/2014/main" val="3274476439"/>
+                    </a:ext>
+                  </a:extLst>
+                </a:gridCol>
+                <a:gridCol w="2057400">
+                  <a:extLst>
+                    <a:ext uri="{9D8B030D-6E8A-4147-A177-3AD203B41FA5}">
+                      <a16:colId xmlns:a16="http://schemas.microsoft.com/office/drawing/2014/main" val="1638776203"/>
+                    </a:ext>
+                  </a:extLst>
+                </a:gridCol>
+              </a:tblGrid>
+              <a:tr h="370840">
+                <a:tc>
+                  <a:txBody>
+                    <a:bodyPr/>
+                    <a:lstStyle/>
+                    <a:p>
+                      <a:r>
+                        <a:rPr lang="en-US" sz="2400" dirty="0"/>
+                        <a:t>Capacity</a:t>
+                      </a:r>
+                    </a:p>
+                  </a:txBody>
+                  <a:tcPr/>
+                </a:tc>
+                <a:tc>
+                  <a:txBody>
+                    <a:bodyPr/>
+                    <a:lstStyle/>
+                    <a:p>
+                      <a:r>
+                        <a:rPr lang="en-US" sz="2400" dirty="0"/>
+                        <a:t>Bindings</a:t>
+                      </a:r>
+                    </a:p>
+                  </a:txBody>
+                  <a:tcPr/>
+                </a:tc>
+                <a:tc>
+                  <a:txBody>
+                    <a:bodyPr/>
+                    <a:lstStyle/>
+                    <a:p>
+                      <a:r>
+                        <a:rPr lang="en-US" sz="2400" dirty="0"/>
+                        <a:t>Load factor </a:t>
+                      </a:r>
+                      <a:r>
+                        <a:rPr lang="en-US" sz="2400" dirty="0">
+                          <a:latin typeface="Symbol" pitchFamily="2" charset="2"/>
+                        </a:rPr>
+                        <a:t>a</a:t>
+                      </a:r>
+                    </a:p>
+                  </a:txBody>
+                  <a:tcPr/>
+                </a:tc>
+                <a:tc>
+                  <a:txBody>
+                    <a:bodyPr/>
+                    <a:lstStyle/>
+                    <a:p>
+                      <a:r>
+                        <a:rPr lang="en-US" sz="2400" dirty="0"/>
+                        <a:t>Balance</a:t>
+                      </a:r>
+                    </a:p>
+                  </a:txBody>
+                  <a:tcPr/>
+                </a:tc>
+                <a:extLst>
+                  <a:ext uri="{0D108BD9-81ED-4DB2-BD59-A6C34878D82A}">
+                    <a16:rowId xmlns:a16="http://schemas.microsoft.com/office/drawing/2014/main" val="3000257085"/>
+                  </a:ext>
+                </a:extLst>
+              </a:tr>
+              <a:tr h="370840">
+                <a:tc>
+                  <a:txBody>
+                    <a:bodyPr/>
+                    <a:lstStyle/>
+                    <a:p>
+                      <a:r>
+                        <a:rPr lang="en-US" sz="2400" dirty="0"/>
+                        <a:t>16</a:t>
+                      </a:r>
+                    </a:p>
+                  </a:txBody>
+                  <a:tcPr/>
+                </a:tc>
+                <a:tc>
+                  <a:txBody>
+                    <a:bodyPr/>
+                    <a:lstStyle/>
+                    <a:p>
+                      <a:r>
+                        <a:rPr lang="en-US" sz="2400" dirty="0"/>
+                        <a:t>16</a:t>
+                      </a:r>
+                    </a:p>
+                  </a:txBody>
+                  <a:tcPr/>
+                </a:tc>
+                <a:tc>
+                  <a:txBody>
+                    <a:bodyPr/>
+                    <a:lstStyle/>
+                    <a:p>
+                      <a:r>
+                        <a:rPr lang="en-US" sz="2400" dirty="0"/>
+                        <a:t>1</a:t>
+                      </a:r>
+                    </a:p>
+                  </a:txBody>
+                  <a:tcPr/>
+                </a:tc>
+                <a:tc>
+                  <a:txBody>
+                    <a:bodyPr/>
+                    <a:lstStyle/>
+                    <a:p>
+                      <a:r>
+                        <a:rPr lang="en-US" sz="2400" dirty="0"/>
+                        <a:t>$0</a:t>
+                      </a:r>
+                    </a:p>
+                  </a:txBody>
+                  <a:tcPr/>
+                </a:tc>
+                <a:extLst>
+                  <a:ext uri="{0D108BD9-81ED-4DB2-BD59-A6C34878D82A}">
+                    <a16:rowId xmlns:a16="http://schemas.microsoft.com/office/drawing/2014/main" val="56585117"/>
+                  </a:ext>
+                </a:extLst>
+              </a:tr>
+              <a:tr h="370840">
+                <a:tc gridSpan="4">
+                  <a:txBody>
+                    <a:bodyPr/>
+                    <a:lstStyle/>
+                    <a:p>
+                      <a:pPr algn="ctr"/>
+                      <a:r>
+                        <a:rPr lang="en-US" sz="2400" dirty="0"/>
+                        <a:t>Insert 16 bindings</a:t>
+                      </a:r>
+                    </a:p>
+                  </a:txBody>
+                  <a:tcPr/>
+                </a:tc>
+                <a:tc hMerge="1">
+                  <a:txBody>
+                    <a:bodyPr/>
+                    <a:lstStyle/>
+                    <a:p>
+                      <a:endParaRPr lang="en-US" dirty="0"/>
+                    </a:p>
+                  </a:txBody>
+                  <a:tcPr/>
+                </a:tc>
+                <a:tc hMerge="1">
+                  <a:txBody>
+                    <a:bodyPr/>
+                    <a:lstStyle/>
+                    <a:p>
+                      <a:endParaRPr lang="en-US" dirty="0"/>
+                    </a:p>
+                  </a:txBody>
+                  <a:tcPr/>
+                </a:tc>
+                <a:tc hMerge="1">
+                  <a:txBody>
+                    <a:bodyPr/>
+                    <a:lstStyle/>
+                    <a:p>
+                      <a:endParaRPr lang="en-US" dirty="0"/>
+                    </a:p>
+                  </a:txBody>
+                  <a:tcPr/>
+                </a:tc>
+                <a:extLst>
+                  <a:ext uri="{0D108BD9-81ED-4DB2-BD59-A6C34878D82A}">
+                    <a16:rowId xmlns:a16="http://schemas.microsoft.com/office/drawing/2014/main" val="1044119566"/>
+                  </a:ext>
+                </a:extLst>
+              </a:tr>
+              <a:tr h="370840">
+                <a:tc>
+                  <a:txBody>
+                    <a:bodyPr/>
+                    <a:lstStyle/>
+                    <a:p>
+                      <a:r>
+                        <a:rPr lang="en-US" sz="2400" dirty="0"/>
+                        <a:t>16</a:t>
+                      </a:r>
+                    </a:p>
+                  </a:txBody>
+                  <a:tcPr/>
+                </a:tc>
+                <a:tc>
+                  <a:txBody>
+                    <a:bodyPr/>
+                    <a:lstStyle/>
+                    <a:p>
+                      <a:r>
+                        <a:rPr lang="en-US" sz="2400" dirty="0"/>
+                        <a:t>32</a:t>
+                      </a:r>
+                    </a:p>
+                  </a:txBody>
+                  <a:tcPr/>
+                </a:tc>
+                <a:tc>
+                  <a:txBody>
+                    <a:bodyPr/>
+                    <a:lstStyle/>
+                    <a:p>
+                      <a:r>
+                        <a:rPr lang="en-US" sz="2400" dirty="0"/>
+                        <a:t>2</a:t>
+                      </a:r>
+                    </a:p>
+                  </a:txBody>
+                  <a:tcPr/>
+                </a:tc>
+                <a:tc>
+                  <a:txBody>
+                    <a:bodyPr/>
+                    <a:lstStyle/>
+                    <a:p>
+                      <a:r>
+                        <a:rPr lang="en-US" sz="2400" dirty="0"/>
+                        <a:t>$32r</a:t>
+                      </a:r>
+                    </a:p>
+                  </a:txBody>
+                  <a:tcPr/>
+                </a:tc>
+                <a:extLst>
+                  <a:ext uri="{0D108BD9-81ED-4DB2-BD59-A6C34878D82A}">
+                    <a16:rowId xmlns:a16="http://schemas.microsoft.com/office/drawing/2014/main" val="1674221152"/>
+                  </a:ext>
+                </a:extLst>
+              </a:tr>
+            </a:tbl>
+          </a:graphicData>
+        </a:graphic>
+      </p:graphicFrame>
+    </p:spTree>
+    <p:extLst>
+      <p:ext uri="{BB962C8B-B14F-4D97-AF65-F5344CB8AC3E}">
+        <p14:creationId xmlns:p14="http://schemas.microsoft.com/office/powerpoint/2010/main" val="2280636571"/>
+      </p:ext>
+    </p:extLst>
+  </p:cSld>
+  <p:clrMapOvr>
+    <a:masterClrMapping/>
+  </p:clrMapOvr>
+</p:sld>
+</file>
+
+<file path=ppt/slides/slide19.xml><?xml version="1.0" encoding="utf-8"?>
+<p:sld xmlns:a="http://schemas.openxmlformats.org/drawingml/2006/main" xmlns:r="http://schemas.openxmlformats.org/officeDocument/2006/relationships" xmlns:p="http://schemas.openxmlformats.org/presentationml/2006/main">
+  <p:cSld>
+    <p:spTree>
+      <p:nvGrpSpPr>
+        <p:cNvPr id="1" name=""/>
+        <p:cNvGrpSpPr/>
+        <p:nvPr/>
+      </p:nvGrpSpPr>
+      <p:grpSpPr>
+        <a:xfrm>
+          <a:off x="0" y="0"/>
+          <a:ext cx="0" cy="0"/>
+          <a:chOff x="0" y="0"/>
+          <a:chExt cx="0" cy="0"/>
+        </a:xfrm>
+      </p:grpSpPr>
+      <p:sp>
+        <p:nvSpPr>
+          <p:cNvPr id="2" name="Title 1">
+            <a:extLst>
+              <a:ext uri="{FF2B5EF4-FFF2-40B4-BE49-F238E27FC236}">
+                <a16:creationId xmlns:a16="http://schemas.microsoft.com/office/drawing/2014/main" id="{251E5071-3FCA-604C-95E1-E2788289AEE8}"/>
+              </a:ext>
+            </a:extLst>
+          </p:cNvPr>
+          <p:cNvSpPr>
+            <a:spLocks noGrp="1"/>
+          </p:cNvSpPr>
+          <p:nvPr>
+            <p:ph type="title"/>
+          </p:nvPr>
+        </p:nvSpPr>
+        <p:spPr/>
+        <p:txBody>
+          <a:bodyPr/>
+          <a:lstStyle/>
+          <a:p>
+            <a:r>
+              <a:rPr lang="en-US" dirty="0"/>
+              <a:t>Bank account balance</a:t>
+            </a:r>
+          </a:p>
+        </p:txBody>
+      </p:sp>
+      <p:graphicFrame>
+        <p:nvGraphicFramePr>
+          <p:cNvPr id="4" name="Content Placeholder 3">
+            <a:extLst>
+              <a:ext uri="{FF2B5EF4-FFF2-40B4-BE49-F238E27FC236}">
+                <a16:creationId xmlns:a16="http://schemas.microsoft.com/office/drawing/2014/main" id="{0C9247C9-4084-4D47-A014-525F10A4E9FE}"/>
+              </a:ext>
+            </a:extLst>
+          </p:cNvPr>
+          <p:cNvGraphicFramePr>
+            <a:graphicFrameLocks noGrp="1"/>
+          </p:cNvGraphicFramePr>
+          <p:nvPr>
+            <p:ph idx="1"/>
+            <p:extLst>
+              <p:ext uri="{D42A27DB-BD31-4B8C-83A1-F6EECF244321}">
+                <p14:modId xmlns:p14="http://schemas.microsoft.com/office/powerpoint/2010/main" val="203514059"/>
+              </p:ext>
+            </p:extLst>
+          </p:nvPr>
+        </p:nvGraphicFramePr>
+        <p:xfrm>
+          <a:off x="457200" y="1600200"/>
+          <a:ext cx="8229600" cy="2743200"/>
+        </p:xfrm>
+        <a:graphic>
+          <a:graphicData uri="http://schemas.openxmlformats.org/drawingml/2006/table">
+            <a:tbl>
+              <a:tblPr firstRow="1" bandRow="1">
+                <a:tableStyleId>{5C22544A-7EE6-4342-B048-85BDC9FD1C3A}</a:tableStyleId>
+              </a:tblPr>
+              <a:tblGrid>
+                <a:gridCol w="2057400">
+                  <a:extLst>
+                    <a:ext uri="{9D8B030D-6E8A-4147-A177-3AD203B41FA5}">
+                      <a16:colId xmlns:a16="http://schemas.microsoft.com/office/drawing/2014/main" val="3745908624"/>
+                    </a:ext>
+                  </a:extLst>
+                </a:gridCol>
+                <a:gridCol w="2057400">
+                  <a:extLst>
+                    <a:ext uri="{9D8B030D-6E8A-4147-A177-3AD203B41FA5}">
+                      <a16:colId xmlns:a16="http://schemas.microsoft.com/office/drawing/2014/main" val="1657310240"/>
+                    </a:ext>
+                  </a:extLst>
+                </a:gridCol>
+                <a:gridCol w="2057400">
+                  <a:extLst>
+                    <a:ext uri="{9D8B030D-6E8A-4147-A177-3AD203B41FA5}">
+                      <a16:colId xmlns:a16="http://schemas.microsoft.com/office/drawing/2014/main" val="3274476439"/>
+                    </a:ext>
+                  </a:extLst>
+                </a:gridCol>
+                <a:gridCol w="2057400">
+                  <a:extLst>
+                    <a:ext uri="{9D8B030D-6E8A-4147-A177-3AD203B41FA5}">
+                      <a16:colId xmlns:a16="http://schemas.microsoft.com/office/drawing/2014/main" val="1638776203"/>
+                    </a:ext>
+                  </a:extLst>
+                </a:gridCol>
+              </a:tblGrid>
+              <a:tr h="370840">
+                <a:tc>
+                  <a:txBody>
+                    <a:bodyPr/>
+                    <a:lstStyle/>
+                    <a:p>
+                      <a:r>
+                        <a:rPr lang="en-US" sz="2400" dirty="0"/>
+                        <a:t>Capacity</a:t>
+                      </a:r>
+                    </a:p>
+                  </a:txBody>
+                  <a:tcPr/>
+                </a:tc>
+                <a:tc>
+                  <a:txBody>
+                    <a:bodyPr/>
+                    <a:lstStyle/>
+                    <a:p>
+                      <a:r>
+                        <a:rPr lang="en-US" sz="2400" dirty="0"/>
+                        <a:t>Bindings</a:t>
+                      </a:r>
+                    </a:p>
+                  </a:txBody>
+                  <a:tcPr/>
+                </a:tc>
+                <a:tc>
+                  <a:txBody>
+                    <a:bodyPr/>
+                    <a:lstStyle/>
+                    <a:p>
+                      <a:r>
+                        <a:rPr lang="en-US" sz="2400" dirty="0"/>
+                        <a:t>Load factor </a:t>
+                      </a:r>
+                      <a:r>
+                        <a:rPr lang="en-US" sz="2400" dirty="0">
+                          <a:latin typeface="Symbol" pitchFamily="2" charset="2"/>
+                        </a:rPr>
+                        <a:t>a</a:t>
+                      </a:r>
+                    </a:p>
+                  </a:txBody>
+                  <a:tcPr/>
+                </a:tc>
+                <a:tc>
+                  <a:txBody>
+                    <a:bodyPr/>
+                    <a:lstStyle/>
+                    <a:p>
+                      <a:r>
+                        <a:rPr lang="en-US" sz="2400" dirty="0"/>
+                        <a:t>Balance</a:t>
+                      </a:r>
+                    </a:p>
+                  </a:txBody>
+                  <a:tcPr/>
+                </a:tc>
+                <a:extLst>
+                  <a:ext uri="{0D108BD9-81ED-4DB2-BD59-A6C34878D82A}">
+                    <a16:rowId xmlns:a16="http://schemas.microsoft.com/office/drawing/2014/main" val="3000257085"/>
+                  </a:ext>
+                </a:extLst>
+              </a:tr>
+              <a:tr h="370840">
+                <a:tc>
+                  <a:txBody>
+                    <a:bodyPr/>
+                    <a:lstStyle/>
+                    <a:p>
+                      <a:r>
+                        <a:rPr lang="en-US" sz="2400" dirty="0"/>
+                        <a:t>16</a:t>
+                      </a:r>
+                    </a:p>
+                  </a:txBody>
+                  <a:tcPr/>
+                </a:tc>
+                <a:tc>
+                  <a:txBody>
+                    <a:bodyPr/>
+                    <a:lstStyle/>
+                    <a:p>
+                      <a:r>
+                        <a:rPr lang="en-US" sz="2400" dirty="0"/>
+                        <a:t>16</a:t>
+                      </a:r>
+                    </a:p>
+                  </a:txBody>
+                  <a:tcPr/>
+                </a:tc>
+                <a:tc>
+                  <a:txBody>
+                    <a:bodyPr/>
+                    <a:lstStyle/>
+                    <a:p>
+                      <a:r>
+                        <a:rPr lang="en-US" sz="2400" dirty="0"/>
+                        <a:t>1</a:t>
+                      </a:r>
+                    </a:p>
+                  </a:txBody>
+                  <a:tcPr/>
+                </a:tc>
+                <a:tc>
+                  <a:txBody>
+                    <a:bodyPr/>
+                    <a:lstStyle/>
+                    <a:p>
+                      <a:r>
+                        <a:rPr lang="en-US" sz="2400" dirty="0"/>
+                        <a:t>$0</a:t>
+                      </a:r>
+                    </a:p>
+                  </a:txBody>
+                  <a:tcPr/>
+                </a:tc>
+                <a:extLst>
+                  <a:ext uri="{0D108BD9-81ED-4DB2-BD59-A6C34878D82A}">
+                    <a16:rowId xmlns:a16="http://schemas.microsoft.com/office/drawing/2014/main" val="56585117"/>
+                  </a:ext>
+                </a:extLst>
+              </a:tr>
+              <a:tr h="370840">
+                <a:tc gridSpan="4">
+                  <a:txBody>
+                    <a:bodyPr/>
+                    <a:lstStyle/>
+                    <a:p>
+                      <a:pPr algn="ctr"/>
+                      <a:r>
+                        <a:rPr lang="en-US" sz="2400" dirty="0"/>
+                        <a:t>Insert 16 bindings</a:t>
+                      </a:r>
+                    </a:p>
+                  </a:txBody>
+                  <a:tcPr/>
+                </a:tc>
+                <a:tc hMerge="1">
+                  <a:txBody>
+                    <a:bodyPr/>
+                    <a:lstStyle/>
+                    <a:p>
+                      <a:endParaRPr lang="en-US" dirty="0"/>
+                    </a:p>
+                  </a:txBody>
+                  <a:tcPr/>
+                </a:tc>
+                <a:tc hMerge="1">
+                  <a:txBody>
+                    <a:bodyPr/>
+                    <a:lstStyle/>
+                    <a:p>
+                      <a:endParaRPr lang="en-US" dirty="0"/>
+                    </a:p>
+                  </a:txBody>
+                  <a:tcPr/>
+                </a:tc>
+                <a:tc hMerge="1">
+                  <a:txBody>
+                    <a:bodyPr/>
+                    <a:lstStyle/>
+                    <a:p>
+                      <a:endParaRPr lang="en-US" dirty="0"/>
+                    </a:p>
+                  </a:txBody>
+                  <a:tcPr/>
+                </a:tc>
+                <a:extLst>
+                  <a:ext uri="{0D108BD9-81ED-4DB2-BD59-A6C34878D82A}">
+                    <a16:rowId xmlns:a16="http://schemas.microsoft.com/office/drawing/2014/main" val="1044119566"/>
+                  </a:ext>
+                </a:extLst>
+              </a:tr>
+              <a:tr h="370840">
+                <a:tc>
+                  <a:txBody>
+                    <a:bodyPr/>
+                    <a:lstStyle/>
+                    <a:p>
+                      <a:r>
+                        <a:rPr lang="en-US" sz="2400" dirty="0"/>
+                        <a:t>16</a:t>
+                      </a:r>
+                    </a:p>
+                  </a:txBody>
+                  <a:tcPr/>
+                </a:tc>
+                <a:tc>
+                  <a:txBody>
+                    <a:bodyPr/>
+                    <a:lstStyle/>
+                    <a:p>
+                      <a:r>
+                        <a:rPr lang="en-US" sz="2400" dirty="0"/>
+                        <a:t>32</a:t>
+                      </a:r>
+                    </a:p>
+                  </a:txBody>
+                  <a:tcPr/>
+                </a:tc>
+                <a:tc>
+                  <a:txBody>
+                    <a:bodyPr/>
+                    <a:lstStyle/>
+                    <a:p>
+                      <a:r>
+                        <a:rPr lang="en-US" sz="2400" dirty="0"/>
+                        <a:t>2</a:t>
+                      </a:r>
+                    </a:p>
+                  </a:txBody>
+                  <a:tcPr/>
+                </a:tc>
+                <a:tc>
+                  <a:txBody>
+                    <a:bodyPr/>
+                    <a:lstStyle/>
+                    <a:p>
+                      <a:r>
+                        <a:rPr lang="en-US" sz="2400" dirty="0"/>
+                        <a:t>$32r</a:t>
+                      </a:r>
+                    </a:p>
+                  </a:txBody>
+                  <a:tcPr/>
+                </a:tc>
+                <a:extLst>
+                  <a:ext uri="{0D108BD9-81ED-4DB2-BD59-A6C34878D82A}">
+                    <a16:rowId xmlns:a16="http://schemas.microsoft.com/office/drawing/2014/main" val="1674221152"/>
+                  </a:ext>
+                </a:extLst>
+              </a:tr>
+              <a:tr h="370840">
+                <a:tc gridSpan="4">
+                  <a:txBody>
+                    <a:bodyPr/>
+                    <a:lstStyle/>
+                    <a:p>
+                      <a:pPr algn="ctr"/>
+                      <a:r>
+                        <a:rPr lang="en-US" sz="2400" dirty="0"/>
+                        <a:t>Resize and rehash</a:t>
+                      </a:r>
+                    </a:p>
+                  </a:txBody>
+                  <a:tcPr/>
+                </a:tc>
+                <a:tc hMerge="1">
+                  <a:txBody>
+                    <a:bodyPr/>
+                    <a:lstStyle/>
+                    <a:p>
+                      <a:endParaRPr lang="en-US" dirty="0"/>
+                    </a:p>
+                  </a:txBody>
+                  <a:tcPr/>
+                </a:tc>
+                <a:tc hMerge="1">
+                  <a:txBody>
+                    <a:bodyPr/>
+                    <a:lstStyle/>
+                    <a:p>
+                      <a:endParaRPr lang="en-US" dirty="0"/>
+                    </a:p>
+                  </a:txBody>
+                  <a:tcPr/>
+                </a:tc>
+                <a:tc hMerge="1">
+                  <a:txBody>
+                    <a:bodyPr/>
+                    <a:lstStyle/>
+                    <a:p>
+                      <a:endParaRPr lang="en-US" dirty="0"/>
+                    </a:p>
+                  </a:txBody>
+                  <a:tcPr/>
+                </a:tc>
+                <a:extLst>
+                  <a:ext uri="{0D108BD9-81ED-4DB2-BD59-A6C34878D82A}">
+                    <a16:rowId xmlns:a16="http://schemas.microsoft.com/office/drawing/2014/main" val="1738914304"/>
+                  </a:ext>
+                </a:extLst>
+              </a:tr>
+              <a:tr h="396558">
+                <a:tc>
+                  <a:txBody>
+                    <a:bodyPr/>
+                    <a:lstStyle/>
+                    <a:p>
+                      <a:r>
+                        <a:rPr lang="en-US" sz="2400" dirty="0"/>
+                        <a:t>32</a:t>
+                      </a:r>
+                    </a:p>
+                  </a:txBody>
+                  <a:tcPr/>
+                </a:tc>
+                <a:tc>
+                  <a:txBody>
+                    <a:bodyPr/>
+                    <a:lstStyle/>
+                    <a:p>
+                      <a:r>
+                        <a:rPr lang="en-US" sz="2400" dirty="0"/>
+                        <a:t>32</a:t>
+                      </a:r>
+                    </a:p>
+                  </a:txBody>
+                  <a:tcPr/>
+                </a:tc>
+                <a:tc>
+                  <a:txBody>
+                    <a:bodyPr/>
+                    <a:lstStyle/>
+                    <a:p>
+                      <a:r>
+                        <a:rPr lang="en-US" sz="2400" dirty="0"/>
+                        <a:t>1</a:t>
+                      </a:r>
+                    </a:p>
+                  </a:txBody>
+                  <a:tcPr/>
+                </a:tc>
+                <a:tc>
+                  <a:txBody>
+                    <a:bodyPr/>
+                    <a:lstStyle/>
+                    <a:p>
+                      <a:r>
+                        <a:rPr lang="en-US" sz="2400" dirty="0">
+                          <a:solidFill>
+                            <a:schemeClr val="tx1"/>
+                          </a:solidFill>
+                        </a:rPr>
+                        <a:t>$0</a:t>
+                      </a:r>
+                    </a:p>
+                  </a:txBody>
+                  <a:tcPr/>
+                </a:tc>
+                <a:extLst>
+                  <a:ext uri="{0D108BD9-81ED-4DB2-BD59-A6C34878D82A}">
+                    <a16:rowId xmlns:a16="http://schemas.microsoft.com/office/drawing/2014/main" val="2578251101"/>
+                  </a:ext>
+                </a:extLst>
+              </a:tr>
+            </a:tbl>
+          </a:graphicData>
+        </a:graphic>
+      </p:graphicFrame>
+    </p:spTree>
+    <p:extLst>
+      <p:ext uri="{BB962C8B-B14F-4D97-AF65-F5344CB8AC3E}">
+        <p14:creationId xmlns:p14="http://schemas.microsoft.com/office/powerpoint/2010/main" val="3593988218"/>
+      </p:ext>
+    </p:extLst>
+  </p:cSld>
+  <p:clrMapOvr>
+    <a:masterClrMapping/>
+  </p:clrMapOvr>
+</p:sld>
+</file>
+
+<file path=ppt/slides/slide2.xml><?xml version="1.0" encoding="utf-8"?>
+<p:sld xmlns:a="http://schemas.openxmlformats.org/drawingml/2006/main" xmlns:r="http://schemas.openxmlformats.org/officeDocument/2006/relationships" xmlns:p="http://schemas.openxmlformats.org/presentationml/2006/main">
+  <p:cSld>
+    <p:spTree>
+      <p:nvGrpSpPr>
+        <p:cNvPr id="1" name=""/>
+        <p:cNvGrpSpPr/>
+        <p:nvPr/>
+      </p:nvGrpSpPr>
+      <p:grpSpPr>
+        <a:xfrm>
+          <a:off x="0" y="0"/>
+          <a:ext cx="0" cy="0"/>
+          <a:chOff x="0" y="0"/>
+          <a:chExt cx="0" cy="0"/>
+        </a:xfrm>
+      </p:grpSpPr>
+      <p:sp>
+        <p:nvSpPr>
+          <p:cNvPr id="4" name="Title 3">
+            <a:extLst>
+              <a:ext uri="{FF2B5EF4-FFF2-40B4-BE49-F238E27FC236}">
+                <a16:creationId xmlns:a16="http://schemas.microsoft.com/office/drawing/2014/main" id="{7A01FADC-AC4B-F240-96ED-BB20278C463B}"/>
+              </a:ext>
+            </a:extLst>
+          </p:cNvPr>
+          <p:cNvSpPr>
+            <a:spLocks noGrp="1"/>
+          </p:cNvSpPr>
+          <p:nvPr>
+            <p:ph type="title"/>
+          </p:nvPr>
+        </p:nvSpPr>
+        <p:spPr/>
+        <p:txBody>
+          <a:bodyPr/>
+          <a:lstStyle/>
+          <a:p>
+            <a:r>
+              <a:rPr lang="en-US" dirty="0"/>
+              <a:t>Clicker Question 1</a:t>
+            </a:r>
+          </a:p>
+        </p:txBody>
+      </p:sp>
+      <p:sp>
+        <p:nvSpPr>
+          <p:cNvPr id="5" name="Text Placeholder 4">
+            <a:extLst>
+              <a:ext uri="{FF2B5EF4-FFF2-40B4-BE49-F238E27FC236}">
+                <a16:creationId xmlns:a16="http://schemas.microsoft.com/office/drawing/2014/main" id="{D83953F6-98D0-7B4F-A994-1F68060B98CD}"/>
+              </a:ext>
+            </a:extLst>
+          </p:cNvPr>
+          <p:cNvSpPr>
+            <a:spLocks noGrp="1"/>
+          </p:cNvSpPr>
+          <p:nvPr>
+            <p:ph type="body" idx="1"/>
+          </p:nvPr>
+        </p:nvSpPr>
+        <p:spPr/>
+        <p:txBody>
+          <a:bodyPr/>
+          <a:lstStyle/>
+          <a:p>
+            <a:endParaRPr lang="en-US"/>
+          </a:p>
+        </p:txBody>
+      </p:sp>
+    </p:spTree>
+    <p:extLst>
+      <p:ext uri="{BB962C8B-B14F-4D97-AF65-F5344CB8AC3E}">
+        <p14:creationId xmlns:p14="http://schemas.microsoft.com/office/powerpoint/2010/main" val="2757551210"/>
+      </p:ext>
+    </p:extLst>
+  </p:cSld>
+  <p:clrMapOvr>
+    <a:masterClrMapping/>
+  </p:clrMapOvr>
+</p:sld>
+</file>
+
+<file path=ppt/slides/slide20.xml><?xml version="1.0" encoding="utf-8"?>
+<p:sld xmlns:a="http://schemas.openxmlformats.org/drawingml/2006/main" xmlns:r="http://schemas.openxmlformats.org/officeDocument/2006/relationships" xmlns:p="http://schemas.openxmlformats.org/presentationml/2006/main">
+  <p:cSld>
+    <p:spTree>
+      <p:nvGrpSpPr>
+        <p:cNvPr id="1" name=""/>
+        <p:cNvGrpSpPr/>
+        <p:nvPr/>
+      </p:nvGrpSpPr>
+      <p:grpSpPr>
+        <a:xfrm>
+          <a:off x="0" y="0"/>
+          <a:ext cx="0" cy="0"/>
+          <a:chOff x="0" y="0"/>
+          <a:chExt cx="0" cy="0"/>
+        </a:xfrm>
+      </p:grpSpPr>
+      <p:sp>
+        <p:nvSpPr>
+          <p:cNvPr id="2" name="Title 1">
+            <a:extLst>
+              <a:ext uri="{FF2B5EF4-FFF2-40B4-BE49-F238E27FC236}">
+                <a16:creationId xmlns:a16="http://schemas.microsoft.com/office/drawing/2014/main" id="{251E5071-3FCA-604C-95E1-E2788289AEE8}"/>
+              </a:ext>
+            </a:extLst>
+          </p:cNvPr>
+          <p:cNvSpPr>
+            <a:spLocks noGrp="1"/>
+          </p:cNvSpPr>
+          <p:nvPr>
+            <p:ph type="title"/>
+          </p:nvPr>
+        </p:nvSpPr>
+        <p:spPr/>
+        <p:txBody>
+          <a:bodyPr/>
+          <a:lstStyle/>
+          <a:p>
+            <a:r>
+              <a:rPr lang="en-US" dirty="0"/>
+              <a:t>Bank account balance</a:t>
+            </a:r>
+          </a:p>
+        </p:txBody>
+      </p:sp>
+      <p:graphicFrame>
+        <p:nvGraphicFramePr>
+          <p:cNvPr id="4" name="Content Placeholder 3">
+            <a:extLst>
+              <a:ext uri="{FF2B5EF4-FFF2-40B4-BE49-F238E27FC236}">
+                <a16:creationId xmlns:a16="http://schemas.microsoft.com/office/drawing/2014/main" id="{0C9247C9-4084-4D47-A014-525F10A4E9FE}"/>
+              </a:ext>
+            </a:extLst>
+          </p:cNvPr>
+          <p:cNvGraphicFramePr>
+            <a:graphicFrameLocks noGrp="1"/>
+          </p:cNvGraphicFramePr>
+          <p:nvPr>
+            <p:ph idx="1"/>
+            <p:extLst/>
           </p:nvPr>
         </p:nvGraphicFramePr>
         <p:xfrm>
@@ -10632,7 +12750,7 @@
     </p:spTree>
     <p:extLst>
       <p:ext uri="{BB962C8B-B14F-4D97-AF65-F5344CB8AC3E}">
-        <p14:creationId xmlns:p14="http://schemas.microsoft.com/office/powerpoint/2010/main" val="2280636571"/>
+        <p14:creationId xmlns:p14="http://schemas.microsoft.com/office/powerpoint/2010/main" val="2691634711"/>
       </p:ext>
     </p:extLst>
   </p:cSld>
@@ -10642,7 +12760,7 @@
 </p:sld>
 </file>
 
-<file path=ppt/slides/slide17.xml><?xml version="1.0" encoding="utf-8"?>
+<file path=ppt/slides/slide21.xml><?xml version="1.0" encoding="utf-8"?>
 <p:sld xmlns:a="http://schemas.openxmlformats.org/drawingml/2006/main" xmlns:r="http://schemas.openxmlformats.org/officeDocument/2006/relationships" xmlns:p="http://schemas.openxmlformats.org/presentationml/2006/main">
   <p:cSld>
     <p:spTree>
@@ -11044,7 +13162,7 @@
 </p:sld>
 </file>
 
-<file path=ppt/slides/slide18.xml><?xml version="1.0" encoding="utf-8"?>
+<file path=ppt/slides/slide22.xml><?xml version="1.0" encoding="utf-8"?>
 <p:sld xmlns:a="http://schemas.openxmlformats.org/drawingml/2006/main" xmlns:r="http://schemas.openxmlformats.org/officeDocument/2006/relationships" xmlns:p="http://schemas.openxmlformats.org/presentationml/2006/main">
   <p:cSld>
     <p:spTree>
@@ -11208,7 +13326,7 @@
 </p:sld>
 </file>
 
-<file path=ppt/slides/slide19.xml><?xml version="1.0" encoding="utf-8"?>
+<file path=ppt/slides/slide23.xml><?xml version="1.0" encoding="utf-8"?>
 <p:sld xmlns:a="http://schemas.openxmlformats.org/drawingml/2006/main" xmlns:r="http://schemas.openxmlformats.org/officeDocument/2006/relationships" xmlns:p="http://schemas.openxmlformats.org/presentationml/2006/main">
   <p:cSld>
     <p:spTree>
@@ -11227,13 +13345,7 @@
       </p:grpSpPr>
       <p:sp>
         <p:nvSpPr>
-          <p:cNvPr id="4" name="Title 3">
-            <a:extLst>
-              <a:ext uri="{FF2B5EF4-FFF2-40B4-BE49-F238E27FC236}">
-                <a16:creationId xmlns:a16="http://schemas.microsoft.com/office/drawing/2014/main" id="{C676AFB6-6FCB-A34E-8193-518CB9E12684}"/>
-              </a:ext>
-            </a:extLst>
-          </p:cNvPr>
+          <p:cNvPr id="2" name="Title 1"/>
           <p:cNvSpPr>
             <a:spLocks noGrp="1"/>
           </p:cNvSpPr>
@@ -11248,50 +13360,172 @@
           <a:p>
             <a:r>
               <a:rPr lang="en-US" dirty="0"/>
-              <a:t>Two-List Queues</a:t>
-            </a:r>
-          </a:p>
-        </p:txBody>
-      </p:sp>
-      <p:sp>
-        <p:nvSpPr>
-          <p:cNvPr id="5" name="Text Placeholder 4">
-            <a:extLst>
-              <a:ext uri="{FF2B5EF4-FFF2-40B4-BE49-F238E27FC236}">
-                <a16:creationId xmlns:a16="http://schemas.microsoft.com/office/drawing/2014/main" id="{DC833630-679E-BE46-812F-533D1C5181F5}"/>
-              </a:ext>
-            </a:extLst>
-          </p:cNvPr>
+              <a:t>Hash table efficiency</a:t>
+            </a:r>
+          </a:p>
+        </p:txBody>
+      </p:sp>
+      <p:sp>
+        <p:nvSpPr>
+          <p:cNvPr id="3" name="Content Placeholder 2"/>
           <p:cNvSpPr>
             <a:spLocks noGrp="1"/>
           </p:cNvSpPr>
           <p:nvPr>
-            <p:ph type="body" idx="1"/>
+            <p:ph idx="1"/>
           </p:nvPr>
         </p:nvSpPr>
         <p:spPr/>
         <p:txBody>
-          <a:bodyPr/>
-          <a:lstStyle/>
-          <a:p>
-            <a:endParaRPr lang="en-US"/>
+          <a:bodyPr>
+            <a:normAutofit/>
+          </a:bodyPr>
+          <a:lstStyle/>
+          <a:p>
+            <a:r>
+              <a:rPr lang="en-US" dirty="0"/>
+              <a:t>find, and remove:  expected O(1)</a:t>
+            </a:r>
+          </a:p>
+          <a:p>
+            <a:r>
+              <a:rPr lang="en-US" dirty="0">
+                <a:solidFill>
+                  <a:schemeClr val="accent3"/>
+                </a:solidFill>
+              </a:rPr>
+              <a:t>insert:  expected O(1), because rehashing can be paid for with amortization</a:t>
+            </a:r>
           </a:p>
         </p:txBody>
       </p:sp>
     </p:spTree>
     <p:extLst>
       <p:ext uri="{BB962C8B-B14F-4D97-AF65-F5344CB8AC3E}">
-        <p14:creationId xmlns:p14="http://schemas.microsoft.com/office/powerpoint/2010/main" val="659403457"/>
+        <p14:creationId xmlns:p14="http://schemas.microsoft.com/office/powerpoint/2010/main" val="4090502364"/>
       </p:ext>
     </p:extLst>
   </p:cSld>
   <p:clrMapOvr>
     <a:masterClrMapping/>
   </p:clrMapOvr>
+  <p:timing>
+    <p:tnLst>
+      <p:par>
+        <p:cTn id="1" dur="indefinite" restart="never" nodeType="tmRoot">
+          <p:childTnLst>
+            <p:seq concurrent="1" nextAc="seek">
+              <p:cTn id="2" dur="indefinite" nodeType="mainSeq">
+                <p:childTnLst>
+                  <p:par>
+                    <p:cTn id="3" fill="hold">
+                      <p:stCondLst>
+                        <p:cond delay="indefinite"/>
+                        <p:cond evt="onBegin" delay="0">
+                          <p:tn val="2"/>
+                        </p:cond>
+                      </p:stCondLst>
+                      <p:childTnLst>
+                        <p:par>
+                          <p:cTn id="4" fill="hold">
+                            <p:stCondLst>
+                              <p:cond delay="0"/>
+                            </p:stCondLst>
+                            <p:childTnLst>
+                              <p:par>
+                                <p:cTn id="5" presetID="1" presetClass="entr" presetSubtype="0" fill="hold" nodeType="withEffect">
+                                  <p:stCondLst>
+                                    <p:cond delay="0"/>
+                                  </p:stCondLst>
+                                  <p:childTnLst>
+                                    <p:set>
+                                      <p:cBhvr>
+                                        <p:cTn id="6" dur="1" fill="hold">
+                                          <p:stCondLst>
+                                            <p:cond delay="0"/>
+                                          </p:stCondLst>
+                                        </p:cTn>
+                                        <p:tgtEl>
+                                          <p:spTgt spid="3">
+                                            <p:txEl>
+                                              <p:pRg st="0" end="0"/>
+                                            </p:txEl>
+                                          </p:spTgt>
+                                        </p:tgtEl>
+                                        <p:attrNameLst>
+                                          <p:attrName>style.visibility</p:attrName>
+                                        </p:attrNameLst>
+                                      </p:cBhvr>
+                                      <p:to>
+                                        <p:strVal val="visible"/>
+                                      </p:to>
+                                    </p:set>
+                                  </p:childTnLst>
+                                </p:cTn>
+                              </p:par>
+                              <p:par>
+                                <p:cTn id="7" presetID="1" presetClass="entr" presetSubtype="0" fill="hold" nodeType="withEffect">
+                                  <p:stCondLst>
+                                    <p:cond delay="0"/>
+                                  </p:stCondLst>
+                                  <p:childTnLst>
+                                    <p:set>
+                                      <p:cBhvr>
+                                        <p:cTn id="8" dur="1" fill="hold">
+                                          <p:stCondLst>
+                                            <p:cond delay="0"/>
+                                          </p:stCondLst>
+                                        </p:cTn>
+                                        <p:tgtEl>
+                                          <p:spTgt spid="3">
+                                            <p:txEl>
+                                              <p:pRg st="1" end="1"/>
+                                            </p:txEl>
+                                          </p:spTgt>
+                                        </p:tgtEl>
+                                        <p:attrNameLst>
+                                          <p:attrName>style.visibility</p:attrName>
+                                        </p:attrNameLst>
+                                      </p:cBhvr>
+                                      <p:to>
+                                        <p:strVal val="visible"/>
+                                      </p:to>
+                                    </p:set>
+                                  </p:childTnLst>
+                                </p:cTn>
+                              </p:par>
+                            </p:childTnLst>
+                          </p:cTn>
+                        </p:par>
+                      </p:childTnLst>
+                    </p:cTn>
+                  </p:par>
+                </p:childTnLst>
+              </p:cTn>
+              <p:prevCondLst>
+                <p:cond evt="onPrev" delay="0">
+                  <p:tgtEl>
+                    <p:sldTgt/>
+                  </p:tgtEl>
+                </p:cond>
+              </p:prevCondLst>
+              <p:nextCondLst>
+                <p:cond evt="onNext" delay="0">
+                  <p:tgtEl>
+                    <p:sldTgt/>
+                  </p:tgtEl>
+                </p:cond>
+              </p:nextCondLst>
+            </p:seq>
+          </p:childTnLst>
+        </p:cTn>
+      </p:par>
+    </p:tnLst>
+  </p:timing>
 </p:sld>
 </file>
 
-<file path=ppt/slides/slide2.xml><?xml version="1.0" encoding="utf-8"?>
+<file path=ppt/slides/slide24.xml><?xml version="1.0" encoding="utf-8"?>
 <p:sld xmlns:a="http://schemas.openxmlformats.org/drawingml/2006/main" xmlns:r="http://schemas.openxmlformats.org/officeDocument/2006/relationships" xmlns:p="http://schemas.openxmlformats.org/presentationml/2006/main">
   <p:cSld>
     <p:spTree>
@@ -11313,7 +13547,7 @@
           <p:cNvPr id="4" name="Title 3">
             <a:extLst>
               <a:ext uri="{FF2B5EF4-FFF2-40B4-BE49-F238E27FC236}">
-                <a16:creationId xmlns:a16="http://schemas.microsoft.com/office/drawing/2014/main" id="{7A01FADC-AC4B-F240-96ED-BB20278C463B}"/>
+                <a16:creationId xmlns:a16="http://schemas.microsoft.com/office/drawing/2014/main" id="{C676AFB6-6FCB-A34E-8193-518CB9E12684}"/>
               </a:ext>
             </a:extLst>
           </p:cNvPr>
@@ -11331,7 +13565,7 @@
           <a:p>
             <a:r>
               <a:rPr lang="en-US" dirty="0"/>
-              <a:t>Clicker Question 1</a:t>
+              <a:t>Two-List Queues</a:t>
             </a:r>
           </a:p>
         </p:txBody>
@@ -11341,7 +13575,7 @@
           <p:cNvPr id="5" name="Text Placeholder 4">
             <a:extLst>
               <a:ext uri="{FF2B5EF4-FFF2-40B4-BE49-F238E27FC236}">
-                <a16:creationId xmlns:a16="http://schemas.microsoft.com/office/drawing/2014/main" id="{D83953F6-98D0-7B4F-A994-1F68060B98CD}"/>
+                <a16:creationId xmlns:a16="http://schemas.microsoft.com/office/drawing/2014/main" id="{DC833630-679E-BE46-812F-533D1C5181F5}"/>
               </a:ext>
             </a:extLst>
           </p:cNvPr>
@@ -11364,7 +13598,7 @@
     </p:spTree>
     <p:extLst>
       <p:ext uri="{BB962C8B-B14F-4D97-AF65-F5344CB8AC3E}">
-        <p14:creationId xmlns:p14="http://schemas.microsoft.com/office/powerpoint/2010/main" val="2757551210"/>
+        <p14:creationId xmlns:p14="http://schemas.microsoft.com/office/powerpoint/2010/main" val="659403457"/>
       </p:ext>
     </p:extLst>
   </p:cSld>
@@ -11374,7 +13608,7 @@
 </p:sld>
 </file>
 
-<file path=ppt/slides/slide20.xml><?xml version="1.0" encoding="utf-8"?>
+<file path=ppt/slides/slide25.xml><?xml version="1.0" encoding="utf-8"?>
 <p:sld xmlns:a="http://schemas.openxmlformats.org/drawingml/2006/main" xmlns:r="http://schemas.openxmlformats.org/officeDocument/2006/relationships" xmlns:p="http://schemas.openxmlformats.org/presentationml/2006/main">
   <p:cSld>
     <p:spTree>
@@ -12388,7 +14622,7 @@
 </p:sld>
 </file>
 
-<file path=ppt/slides/slide21.xml><?xml version="1.0" encoding="utf-8"?>
+<file path=ppt/slides/slide26.xml><?xml version="1.0" encoding="utf-8"?>
 <p:sld xmlns:a="http://schemas.openxmlformats.org/drawingml/2006/main" xmlns:r="http://schemas.openxmlformats.org/officeDocument/2006/relationships" xmlns:p="http://schemas.openxmlformats.org/presentationml/2006/main">
   <p:cSld>
     <p:spTree>
@@ -12499,7 +14733,7 @@
 </p:sld>
 </file>
 
-<file path=ppt/slides/slide22.xml><?xml version="1.0" encoding="utf-8"?>
+<file path=ppt/slides/slide27.xml><?xml version="1.0" encoding="utf-8"?>
 <p:sld xmlns:a="http://schemas.openxmlformats.org/drawingml/2006/main" xmlns:r="http://schemas.openxmlformats.org/officeDocument/2006/relationships" xmlns:p="http://schemas.openxmlformats.org/presentationml/2006/main">
   <p:cSld>
     <p:spTree>
@@ -12874,7 +15108,7 @@
 </p:sld>
 </file>
 
-<file path=ppt/slides/slide23.xml><?xml version="1.0" encoding="utf-8"?>
+<file path=ppt/slides/slide28.xml><?xml version="1.0" encoding="utf-8"?>
 <p:sld xmlns:a="http://schemas.openxmlformats.org/drawingml/2006/main" xmlns:r="http://schemas.openxmlformats.org/officeDocument/2006/relationships" xmlns:p="http://schemas.openxmlformats.org/presentationml/2006/main">
   <p:cSld>
     <p:spTree>
@@ -13005,8 +15239,8 @@
         </p:nvSpPr>
         <p:spPr>
           <a:xfrm>
-            <a:off x="754249" y="3095279"/>
-            <a:ext cx="1406154" cy="523220"/>
+            <a:off x="275747" y="3099178"/>
+            <a:ext cx="2784737" cy="523220"/>
           </a:xfrm>
           <a:prstGeom prst="rect">
             <a:avLst/>
@@ -13024,7 +15258,7 @@
                 <a:latin typeface="CronosPro-Regular"/>
                 <a:cs typeface="CronosPro-Regular"/>
               </a:rPr>
-              <a:t>on insert</a:t>
+              <a:t>on enqueue (back)</a:t>
             </a:r>
           </a:p>
         </p:txBody>
@@ -13198,7 +15432,7 @@
 </p:sld>
 </file>
 
-<file path=ppt/slides/slide24.xml><?xml version="1.0" encoding="utf-8"?>
+<file path=ppt/slides/slide29.xml><?xml version="1.0" encoding="utf-8"?>
 <p:sld xmlns:a="http://schemas.openxmlformats.org/drawingml/2006/main" xmlns:r="http://schemas.openxmlformats.org/officeDocument/2006/relationships" xmlns:p="http://schemas.openxmlformats.org/presentationml/2006/main">
   <p:cSld>
     <p:spTree>
@@ -13865,7 +16099,7 @@
 </p:sld>
 </file>
 
-<file path=ppt/slides/slide25.xml><?xml version="1.0" encoding="utf-8"?>
+<file path=ppt/slides/slide3.xml><?xml version="1.0" encoding="utf-8"?>
 <p:sld xmlns:a="http://schemas.openxmlformats.org/drawingml/2006/main" xmlns:r="http://schemas.openxmlformats.org/officeDocument/2006/relationships" xmlns:p="http://schemas.openxmlformats.org/presentationml/2006/main">
   <p:cSld>
     <p:spTree>
@@ -13884,6 +16118,145 @@
       </p:grpSpPr>
       <p:sp>
         <p:nvSpPr>
+          <p:cNvPr id="2" name="Title 1"/>
+          <p:cNvSpPr>
+            <a:spLocks noGrp="1"/>
+          </p:cNvSpPr>
+          <p:nvPr>
+            <p:ph type="title"/>
+          </p:nvPr>
+        </p:nvSpPr>
+        <p:spPr/>
+        <p:txBody>
+          <a:bodyPr/>
+          <a:lstStyle/>
+          <a:p>
+            <a:r>
+              <a:rPr lang="en-US" dirty="0"/>
+              <a:t>Review</a:t>
+            </a:r>
+          </a:p>
+        </p:txBody>
+      </p:sp>
+      <p:sp>
+        <p:nvSpPr>
+          <p:cNvPr id="3" name="Content Placeholder 2"/>
+          <p:cNvSpPr>
+            <a:spLocks noGrp="1"/>
+          </p:cNvSpPr>
+          <p:nvPr>
+            <p:ph idx="1"/>
+          </p:nvPr>
+        </p:nvSpPr>
+        <p:spPr>
+          <a:xfrm>
+            <a:off x="457200" y="1600200"/>
+            <a:ext cx="8229600" cy="4525963"/>
+          </a:xfrm>
+        </p:spPr>
+        <p:txBody>
+          <a:bodyPr>
+            <a:normAutofit/>
+          </a:bodyPr>
+          <a:lstStyle/>
+          <a:p>
+            <a:pPr marL="0" indent="0">
+              <a:buNone/>
+            </a:pPr>
+            <a:r>
+              <a:rPr lang="en-US" b="1" dirty="0"/>
+              <a:t>Current topic:  </a:t>
+            </a:r>
+            <a:r>
+              <a:rPr lang="en-US" dirty="0">
+                <a:solidFill>
+                  <a:srgbClr val="000000"/>
+                </a:solidFill>
+              </a:rPr>
+              <a:t>Efficiency</a:t>
+            </a:r>
+          </a:p>
+          <a:p>
+            <a:r>
+              <a:rPr lang="en-US" dirty="0">
+                <a:solidFill>
+                  <a:srgbClr val="000000"/>
+                </a:solidFill>
+              </a:rPr>
+              <a:t>Big Oh</a:t>
+            </a:r>
+          </a:p>
+          <a:p>
+            <a:r>
+              <a:rPr lang="en-US" dirty="0">
+                <a:solidFill>
+                  <a:srgbClr val="000000"/>
+                </a:solidFill>
+              </a:rPr>
+              <a:t>Hash tables (and mutability)</a:t>
+            </a:r>
+          </a:p>
+          <a:p>
+            <a:endParaRPr lang="en-US" dirty="0">
+              <a:solidFill>
+                <a:srgbClr val="000000"/>
+              </a:solidFill>
+            </a:endParaRPr>
+          </a:p>
+          <a:p>
+            <a:pPr marL="0" indent="0">
+              <a:buNone/>
+            </a:pPr>
+            <a:r>
+              <a:rPr lang="en-US" b="1" dirty="0">
+                <a:solidFill>
+                  <a:srgbClr val="000000"/>
+                </a:solidFill>
+              </a:rPr>
+              <a:t>Today: </a:t>
+            </a:r>
+            <a:endParaRPr lang="en-US" dirty="0"/>
+          </a:p>
+          <a:p>
+            <a:r>
+              <a:rPr lang="en-US" dirty="0"/>
+              <a:t>Amortized analysis</a:t>
+            </a:r>
+          </a:p>
+        </p:txBody>
+      </p:sp>
+    </p:spTree>
+    <p:extLst>
+      <p:ext uri="{BB962C8B-B14F-4D97-AF65-F5344CB8AC3E}">
+        <p14:creationId xmlns:p14="http://schemas.microsoft.com/office/powerpoint/2010/main" val="2439972812"/>
+      </p:ext>
+    </p:extLst>
+  </p:cSld>
+  <p:clrMapOvr>
+    <a:masterClrMapping/>
+  </p:clrMapOvr>
+</p:sld>
+</file>
+
+<file path=ppt/slides/slide30.xml><?xml version="1.0" encoding="utf-8"?>
+<p:sld xmlns:a="http://schemas.openxmlformats.org/drawingml/2006/main" xmlns:r="http://schemas.openxmlformats.org/officeDocument/2006/relationships" xmlns:p="http://schemas.openxmlformats.org/presentationml/2006/main">
+  <p:cSld>
+    <p:spTree>
+      <p:nvGrpSpPr>
+        <p:cNvPr id="1" name=""/>
+        <p:cNvGrpSpPr/>
+        <p:nvPr/>
+      </p:nvGrpSpPr>
+      <p:grpSpPr>
+        <a:xfrm>
+          <a:off x="0" y="0"/>
+          <a:ext cx="0" cy="0"/>
+          <a:chOff x="0" y="0"/>
+          <a:chExt cx="0" cy="0"/>
+        </a:xfrm>
+      </p:grpSpPr>
+      <p:sp>
+        <p:nvSpPr>
           <p:cNvPr id="4" name="Title 3">
             <a:extLst>
               <a:ext uri="{FF2B5EF4-FFF2-40B4-BE49-F238E27FC236}">
@@ -13955,7 +16328,7 @@
 </p:sld>
 </file>
 
-<file path=ppt/slides/slide26.xml><?xml version="1.0" encoding="utf-8"?>
+<file path=ppt/slides/slide31.xml><?xml version="1.0" encoding="utf-8"?>
 <p:sld xmlns:a="http://schemas.openxmlformats.org/drawingml/2006/main" xmlns:r="http://schemas.openxmlformats.org/officeDocument/2006/relationships" xmlns:p="http://schemas.openxmlformats.org/presentationml/2006/main">
   <p:cSld>
     <p:spTree>
@@ -14339,7 +16712,7 @@
 </p:sld>
 </file>
 
-<file path=ppt/slides/slide27.xml><?xml version="1.0" encoding="utf-8"?>
+<file path=ppt/slides/slide32.xml><?xml version="1.0" encoding="utf-8"?>
 <p:sld xmlns:a="http://schemas.openxmlformats.org/drawingml/2006/main" xmlns:r="http://schemas.openxmlformats.org/officeDocument/2006/relationships" xmlns:p="http://schemas.openxmlformats.org/presentationml/2006/main">
   <p:cSld>
     <p:spTree>
@@ -14546,7 +16919,7 @@
 </p:sld>
 </file>
 
-<file path=ppt/slides/slide28.xml><?xml version="1.0" encoding="utf-8"?>
+<file path=ppt/slides/slide33.xml><?xml version="1.0" encoding="utf-8"?>
 <p:sld xmlns:a="http://schemas.openxmlformats.org/drawingml/2006/main" xmlns:r="http://schemas.openxmlformats.org/officeDocument/2006/relationships" xmlns:p="http://schemas.openxmlformats.org/presentationml/2006/main">
   <p:cSld>
     <p:spTree>
@@ -14702,145 +17075,6 @@
     <p:extLst>
       <p:ext uri="{BB962C8B-B14F-4D97-AF65-F5344CB8AC3E}">
         <p14:creationId xmlns:p14="http://schemas.microsoft.com/office/powerpoint/2010/main" val="2693155424"/>
-      </p:ext>
-    </p:extLst>
-  </p:cSld>
-  <p:clrMapOvr>
-    <a:masterClrMapping/>
-  </p:clrMapOvr>
-</p:sld>
-</file>
-
-<file path=ppt/slides/slide3.xml><?xml version="1.0" encoding="utf-8"?>
-<p:sld xmlns:a="http://schemas.openxmlformats.org/drawingml/2006/main" xmlns:r="http://schemas.openxmlformats.org/officeDocument/2006/relationships" xmlns:p="http://schemas.openxmlformats.org/presentationml/2006/main">
-  <p:cSld>
-    <p:spTree>
-      <p:nvGrpSpPr>
-        <p:cNvPr id="1" name=""/>
-        <p:cNvGrpSpPr/>
-        <p:nvPr/>
-      </p:nvGrpSpPr>
-      <p:grpSpPr>
-        <a:xfrm>
-          <a:off x="0" y="0"/>
-          <a:ext cx="0" cy="0"/>
-          <a:chOff x="0" y="0"/>
-          <a:chExt cx="0" cy="0"/>
-        </a:xfrm>
-      </p:grpSpPr>
-      <p:sp>
-        <p:nvSpPr>
-          <p:cNvPr id="2" name="Title 1"/>
-          <p:cNvSpPr>
-            <a:spLocks noGrp="1"/>
-          </p:cNvSpPr>
-          <p:nvPr>
-            <p:ph type="title"/>
-          </p:nvPr>
-        </p:nvSpPr>
-        <p:spPr/>
-        <p:txBody>
-          <a:bodyPr/>
-          <a:lstStyle/>
-          <a:p>
-            <a:r>
-              <a:rPr lang="en-US" dirty="0"/>
-              <a:t>Review</a:t>
-            </a:r>
-          </a:p>
-        </p:txBody>
-      </p:sp>
-      <p:sp>
-        <p:nvSpPr>
-          <p:cNvPr id="3" name="Content Placeholder 2"/>
-          <p:cNvSpPr>
-            <a:spLocks noGrp="1"/>
-          </p:cNvSpPr>
-          <p:nvPr>
-            <p:ph idx="1"/>
-          </p:nvPr>
-        </p:nvSpPr>
-        <p:spPr>
-          <a:xfrm>
-            <a:off x="457200" y="1600200"/>
-            <a:ext cx="8229600" cy="4525963"/>
-          </a:xfrm>
-        </p:spPr>
-        <p:txBody>
-          <a:bodyPr>
-            <a:normAutofit/>
-          </a:bodyPr>
-          <a:lstStyle/>
-          <a:p>
-            <a:pPr marL="0" indent="0">
-              <a:buNone/>
-            </a:pPr>
-            <a:r>
-              <a:rPr lang="en-US" b="1" dirty="0"/>
-              <a:t>Current topic:  </a:t>
-            </a:r>
-            <a:r>
-              <a:rPr lang="en-US" dirty="0">
-                <a:solidFill>
-                  <a:srgbClr val="000000"/>
-                </a:solidFill>
-              </a:rPr>
-              <a:t>Efficiency</a:t>
-            </a:r>
-          </a:p>
-          <a:p>
-            <a:r>
-              <a:rPr lang="en-US" dirty="0">
-                <a:solidFill>
-                  <a:srgbClr val="000000"/>
-                </a:solidFill>
-              </a:rPr>
-              <a:t>Big Oh</a:t>
-            </a:r>
-          </a:p>
-          <a:p>
-            <a:r>
-              <a:rPr lang="en-US" dirty="0">
-                <a:solidFill>
-                  <a:srgbClr val="000000"/>
-                </a:solidFill>
-              </a:rPr>
-              <a:t>Hash tables (and mutability)</a:t>
-            </a:r>
-          </a:p>
-          <a:p>
-            <a:endParaRPr lang="en-US" dirty="0">
-              <a:solidFill>
-                <a:srgbClr val="000000"/>
-              </a:solidFill>
-            </a:endParaRPr>
-          </a:p>
-          <a:p>
-            <a:pPr marL="0" indent="0">
-              <a:buNone/>
-            </a:pPr>
-            <a:r>
-              <a:rPr lang="en-US" b="1" dirty="0">
-                <a:solidFill>
-                  <a:srgbClr val="000000"/>
-                </a:solidFill>
-              </a:rPr>
-              <a:t>Today: </a:t>
-            </a:r>
-            <a:endParaRPr lang="en-US" dirty="0"/>
-          </a:p>
-          <a:p>
-            <a:r>
-              <a:rPr lang="en-US" dirty="0"/>
-              <a:t>Amortized analysis</a:t>
-            </a:r>
-          </a:p>
-        </p:txBody>
-      </p:sp>
-    </p:spTree>
-    <p:extLst>
-      <p:ext uri="{BB962C8B-B14F-4D97-AF65-F5344CB8AC3E}">
-        <p14:creationId xmlns:p14="http://schemas.microsoft.com/office/powerpoint/2010/main" val="2439972812"/>
       </p:ext>
     </p:extLst>
   </p:cSld>

--- a/14-amortized/lec.pptx
+++ b/14-amortized/lec.pptx
@@ -6453,7 +6453,15 @@
           <a:p>
             <a:r>
               <a:rPr lang="en-US" dirty="0"/>
-              <a:t>Today’s music: :  "Money, Money, Money" by ABBA</a:t>
+              <a:t>Today’s </a:t>
+            </a:r>
+            <a:r>
+              <a:rPr lang="en-US"/>
+              <a:t>music:  </a:t>
+            </a:r>
+            <a:r>
+              <a:rPr lang="en-US" dirty="0"/>
+              <a:t>"Money, Money, Money" by ABBA</a:t>
             </a:r>
           </a:p>
         </p:txBody>
